--- a/DSA Study Guide.pptx
+++ b/DSA Study Guide.pptx
@@ -5,7 +5,7 @@
     <p:sldMasterId id="2147483660" r:id="rId1"/>
   </p:sldMasterIdLst>
   <p:notesMasterIdLst>
-    <p:notesMasterId r:id="rId42"/>
+    <p:notesMasterId r:id="rId49"/>
   </p:notesMasterIdLst>
   <p:sldIdLst>
     <p:sldId id="281" r:id="rId2"/>
@@ -19,59 +19,66 @@
     <p:sldId id="439" r:id="rId10"/>
     <p:sldId id="437" r:id="rId11"/>
     <p:sldId id="452" r:id="rId12"/>
-    <p:sldId id="458" r:id="rId13"/>
-    <p:sldId id="457" r:id="rId14"/>
+    <p:sldId id="464" r:id="rId13"/>
+    <p:sldId id="458" r:id="rId14"/>
     <p:sldId id="455" r:id="rId15"/>
-    <p:sldId id="438" r:id="rId16"/>
-    <p:sldId id="459" r:id="rId17"/>
-    <p:sldId id="454" r:id="rId18"/>
-    <p:sldId id="453" r:id="rId19"/>
-    <p:sldId id="377" r:id="rId20"/>
-    <p:sldId id="418" r:id="rId21"/>
-    <p:sldId id="417" r:id="rId22"/>
-    <p:sldId id="420" r:id="rId23"/>
-    <p:sldId id="421" r:id="rId24"/>
-    <p:sldId id="422" r:id="rId25"/>
-    <p:sldId id="428" r:id="rId26"/>
-    <p:sldId id="436" r:id="rId27"/>
-    <p:sldId id="423" r:id="rId28"/>
-    <p:sldId id="424" r:id="rId29"/>
-    <p:sldId id="425" r:id="rId30"/>
-    <p:sldId id="426" r:id="rId31"/>
-    <p:sldId id="427" r:id="rId32"/>
-    <p:sldId id="429" r:id="rId33"/>
-    <p:sldId id="430" r:id="rId34"/>
-    <p:sldId id="431" r:id="rId35"/>
-    <p:sldId id="433" r:id="rId36"/>
-    <p:sldId id="434" r:id="rId37"/>
-    <p:sldId id="435" r:id="rId38"/>
-    <p:sldId id="443" r:id="rId39"/>
-    <p:sldId id="444" r:id="rId40"/>
-    <p:sldId id="445" r:id="rId41"/>
+    <p:sldId id="460" r:id="rId16"/>
+    <p:sldId id="457" r:id="rId17"/>
+    <p:sldId id="438" r:id="rId18"/>
+    <p:sldId id="459" r:id="rId19"/>
+    <p:sldId id="461" r:id="rId20"/>
+    <p:sldId id="454" r:id="rId21"/>
+    <p:sldId id="462" r:id="rId22"/>
+    <p:sldId id="463" r:id="rId23"/>
+    <p:sldId id="465" r:id="rId24"/>
+    <p:sldId id="466" r:id="rId25"/>
+    <p:sldId id="453" r:id="rId26"/>
+    <p:sldId id="377" r:id="rId27"/>
+    <p:sldId id="418" r:id="rId28"/>
+    <p:sldId id="417" r:id="rId29"/>
+    <p:sldId id="420" r:id="rId30"/>
+    <p:sldId id="421" r:id="rId31"/>
+    <p:sldId id="422" r:id="rId32"/>
+    <p:sldId id="428" r:id="rId33"/>
+    <p:sldId id="436" r:id="rId34"/>
+    <p:sldId id="423" r:id="rId35"/>
+    <p:sldId id="424" r:id="rId36"/>
+    <p:sldId id="425" r:id="rId37"/>
+    <p:sldId id="426" r:id="rId38"/>
+    <p:sldId id="427" r:id="rId39"/>
+    <p:sldId id="429" r:id="rId40"/>
+    <p:sldId id="430" r:id="rId41"/>
+    <p:sldId id="431" r:id="rId42"/>
+    <p:sldId id="433" r:id="rId43"/>
+    <p:sldId id="434" r:id="rId44"/>
+    <p:sldId id="435" r:id="rId45"/>
+    <p:sldId id="443" r:id="rId46"/>
+    <p:sldId id="444" r:id="rId47"/>
+    <p:sldId id="445" r:id="rId48"/>
   </p:sldIdLst>
   <p:sldSz cx="9144000" cy="6858000" type="screen4x3"/>
   <p:notesSz cx="6858000" cy="9144000"/>
   <p:embeddedFontLst>
     <p:embeddedFont>
       <p:font typeface="Consolas" panose="020B0609020204030204" pitchFamily="49" charset="0"/>
-      <p:regular r:id="rId43"/>
-      <p:bold r:id="rId44"/>
-      <p:italic r:id="rId45"/>
-      <p:boldItalic r:id="rId46"/>
+      <p:regular r:id="rId50"/>
+      <p:bold r:id="rId51"/>
+      <p:italic r:id="rId52"/>
+      <p:boldItalic r:id="rId53"/>
     </p:embeddedFont>
     <p:embeddedFont>
       <p:font typeface="Segoe UI" panose="020B0502040204020203" pitchFamily="34" charset="0"/>
-      <p:regular r:id="rId47"/>
-      <p:bold r:id="rId48"/>
-      <p:italic r:id="rId49"/>
-      <p:boldItalic r:id="rId50"/>
+      <p:regular r:id="rId54"/>
+      <p:bold r:id="rId55"/>
+      <p:italic r:id="rId56"/>
+      <p:boldItalic r:id="rId57"/>
     </p:embeddedFont>
     <p:embeddedFont>
       <p:font typeface="Verdana" panose="020B0604030504040204" pitchFamily="34" charset="0"/>
-      <p:regular r:id="rId51"/>
-      <p:bold r:id="rId52"/>
-      <p:italic r:id="rId53"/>
-      <p:boldItalic r:id="rId54"/>
+      <p:regular r:id="rId58"/>
+      <p:bold r:id="rId59"/>
+      <p:italic r:id="rId60"/>
+      <p:boldItalic r:id="rId61"/>
     </p:embeddedFont>
   </p:embeddedFontLst>
   <p:defaultTextStyle>
@@ -4923,6 +4930,16 @@
               <a:rPr lang="en-US" sz="2400" dirty="0"/>
               <a:t>Choose the next value and repeat step 2</a:t>
             </a:r>
+            <a:br>
+              <a:rPr lang="en-US" sz="2400" dirty="0"/>
+            </a:br>
+            <a:endParaRPr lang="en-US" sz="2400" dirty="0"/>
+          </a:p>
+          <a:p>
+            <a:r>
+              <a:rPr lang="en-US" sz="2400" dirty="0"/>
+              <a:t>Used in sorting</a:t>
+            </a:r>
           </a:p>
           <a:p>
             <a:pPr marL="457200" indent="-457200">
@@ -5148,6 +5165,224 @@
 </file>
 
 <file path=ppt/slides/slide12.xml><?xml version="1.0" encoding="utf-8"?>
+<p:sld xmlns:a="http://schemas.openxmlformats.org/drawingml/2006/main" xmlns:r="http://schemas.openxmlformats.org/officeDocument/2006/relationships" xmlns:p="http://schemas.openxmlformats.org/presentationml/2006/main">
+  <p:cSld>
+    <p:spTree>
+      <p:nvGrpSpPr>
+        <p:cNvPr id="1" name=""/>
+        <p:cNvGrpSpPr/>
+        <p:nvPr/>
+      </p:nvGrpSpPr>
+      <p:grpSpPr>
+        <a:xfrm>
+          <a:off x="0" y="0"/>
+          <a:ext cx="0" cy="0"/>
+          <a:chOff x="0" y="0"/>
+          <a:chExt cx="0" cy="0"/>
+        </a:xfrm>
+      </p:grpSpPr>
+      <p:sp>
+        <p:nvSpPr>
+          <p:cNvPr id="2" name="Title 1">
+            <a:extLst>
+              <a:ext uri="{FF2B5EF4-FFF2-40B4-BE49-F238E27FC236}">
+                <a16:creationId xmlns:a16="http://schemas.microsoft.com/office/drawing/2014/main" id="{659FFDCD-4905-664C-BF76-CB3580FBC996}"/>
+              </a:ext>
+            </a:extLst>
+          </p:cNvPr>
+          <p:cNvSpPr>
+            <a:spLocks noGrp="1"/>
+          </p:cNvSpPr>
+          <p:nvPr>
+            <p:ph type="title"/>
+          </p:nvPr>
+        </p:nvSpPr>
+        <p:spPr/>
+        <p:txBody>
+          <a:bodyPr/>
+          <a:lstStyle/>
+          <a:p>
+            <a:r>
+              <a:rPr lang="en-US" b="1" dirty="0"/>
+              <a:t>Find Minimum or Maximum Value</a:t>
+            </a:r>
+            <a:endParaRPr lang="en-US" dirty="0"/>
+          </a:p>
+        </p:txBody>
+      </p:sp>
+      <p:sp>
+        <p:nvSpPr>
+          <p:cNvPr id="3" name="Content Placeholder 2">
+            <a:extLst>
+              <a:ext uri="{FF2B5EF4-FFF2-40B4-BE49-F238E27FC236}">
+                <a16:creationId xmlns:a16="http://schemas.microsoft.com/office/drawing/2014/main" id="{AD52673E-A15E-5D52-BFEB-60A3C97FF1D0}"/>
+              </a:ext>
+            </a:extLst>
+          </p:cNvPr>
+          <p:cNvSpPr>
+            <a:spLocks noGrp="1"/>
+          </p:cNvSpPr>
+          <p:nvPr>
+            <p:ph sz="half" idx="1"/>
+          </p:nvPr>
+        </p:nvSpPr>
+        <p:spPr/>
+        <p:txBody>
+          <a:bodyPr/>
+          <a:lstStyle/>
+          <a:p>
+            <a:pPr marL="457200" indent="-457200">
+              <a:buFont typeface="+mj-lt"/>
+              <a:buAutoNum type="arabicPeriod"/>
+            </a:pPr>
+            <a:r>
+              <a:rPr lang="en-US" sz="2400" dirty="0"/>
+              <a:t>Outside of loop, initialize a variable to hold min or max value</a:t>
+            </a:r>
+          </a:p>
+          <a:p>
+            <a:pPr marL="457200" indent="-457200">
+              <a:buFont typeface="+mj-lt"/>
+              <a:buAutoNum type="arabicPeriod"/>
+            </a:pPr>
+            <a:r>
+              <a:rPr lang="en-US" sz="2400" dirty="0">
+                <a:solidFill>
+                  <a:schemeClr val="accent6"/>
+                </a:solidFill>
+              </a:rPr>
+              <a:t>Enumerate</a:t>
+            </a:r>
+            <a:r>
+              <a:rPr lang="en-US" sz="2400" dirty="0"/>
+              <a:t> all values</a:t>
+            </a:r>
+          </a:p>
+          <a:p>
+            <a:pPr marL="457200" indent="-457200">
+              <a:buFont typeface="+mj-lt"/>
+              <a:buAutoNum type="arabicPeriod"/>
+            </a:pPr>
+            <a:r>
+              <a:rPr lang="en-US" sz="2400" dirty="0"/>
+              <a:t>In Loop, compare each selected value with min or max. If smaller than min or greater than max, assign to min or max</a:t>
+            </a:r>
+            <a:br>
+              <a:rPr lang="en-US" sz="2400" dirty="0"/>
+            </a:br>
+            <a:endParaRPr lang="en-US" sz="2400" dirty="0"/>
+          </a:p>
+          <a:p>
+            <a:r>
+              <a:rPr lang="en-US" sz="2400" dirty="0"/>
+              <a:t>Used in sorting</a:t>
+            </a:r>
+          </a:p>
+          <a:p>
+            <a:pPr marL="457200" indent="-457200">
+              <a:buFont typeface="+mj-lt"/>
+              <a:buAutoNum type="arabicPeriod"/>
+            </a:pPr>
+            <a:endParaRPr lang="en-US" sz="2400" dirty="0"/>
+          </a:p>
+          <a:p>
+            <a:r>
+              <a:rPr lang="en-US" sz="2400" dirty="0">
+                <a:latin typeface="MS PGothic" panose="020B0600070205080204" pitchFamily="34" charset="-128"/>
+                <a:ea typeface="MS PGothic" panose="020B0600070205080204" pitchFamily="34" charset="-128"/>
+              </a:rPr>
+              <a:t>Time complexity O(N2)</a:t>
+            </a:r>
+          </a:p>
+          <a:p>
+            <a:pPr marL="457200" indent="-457200">
+              <a:buFont typeface="+mj-lt"/>
+              <a:buAutoNum type="arabicPeriod"/>
+            </a:pPr>
+            <a:endParaRPr lang="en-US" sz="2400" dirty="0"/>
+          </a:p>
+        </p:txBody>
+      </p:sp>
+      <p:sp>
+        <p:nvSpPr>
+          <p:cNvPr id="4" name="Content Placeholder 3">
+            <a:extLst>
+              <a:ext uri="{FF2B5EF4-FFF2-40B4-BE49-F238E27FC236}">
+                <a16:creationId xmlns:a16="http://schemas.microsoft.com/office/drawing/2014/main" id="{BF2CF5ED-DB19-FB50-8FFF-C4719D06DE61}"/>
+              </a:ext>
+            </a:extLst>
+          </p:cNvPr>
+          <p:cNvSpPr>
+            <a:spLocks noGrp="1"/>
+          </p:cNvSpPr>
+          <p:nvPr>
+            <p:ph sz="half" idx="2"/>
+          </p:nvPr>
+        </p:nvSpPr>
+        <p:spPr/>
+        <p:txBody>
+          <a:bodyPr/>
+          <a:lstStyle/>
+          <a:p>
+            <a:r>
+              <a:rPr lang="en-US" sz="1600" dirty="0">
+                <a:solidFill>
+                  <a:schemeClr val="accent6"/>
+                </a:solidFill>
+                <a:latin typeface="MS PGothic" panose="020B0600070205080204" pitchFamily="34" charset="-128"/>
+                <a:ea typeface="MS PGothic" panose="020B0600070205080204" pitchFamily="34" charset="-128"/>
+              </a:rPr>
+              <a:t>Enumerate</a:t>
+            </a:r>
+            <a:r>
+              <a:rPr lang="en-US" sz="1600" dirty="0">
+                <a:latin typeface="MS PGothic" panose="020B0600070205080204" pitchFamily="34" charset="-128"/>
+                <a:ea typeface="MS PGothic" panose="020B0600070205080204" pitchFamily="34" charset="-128"/>
+              </a:rPr>
+              <a:t> array</a:t>
+            </a:r>
+          </a:p>
+          <a:p>
+            <a:endParaRPr lang="en-US" sz="1600" dirty="0">
+              <a:latin typeface="MS PGothic" panose="020B0600070205080204" pitchFamily="34" charset="-128"/>
+              <a:ea typeface="MS PGothic" panose="020B0600070205080204" pitchFamily="34" charset="-128"/>
+            </a:endParaRPr>
+          </a:p>
+          <a:p>
+            <a:endParaRPr lang="en-US" sz="1600" dirty="0">
+              <a:latin typeface="MS PGothic" panose="020B0600070205080204" pitchFamily="34" charset="-128"/>
+              <a:ea typeface="MS PGothic" panose="020B0600070205080204" pitchFamily="34" charset="-128"/>
+            </a:endParaRPr>
+          </a:p>
+          <a:p>
+            <a:pPr lvl="1"/>
+            <a:endParaRPr lang="en-US" sz="1600" dirty="0">
+              <a:latin typeface="MS PGothic" panose="020B0600070205080204" pitchFamily="34" charset="-128"/>
+              <a:ea typeface="MS PGothic" panose="020B0600070205080204" pitchFamily="34" charset="-128"/>
+            </a:endParaRPr>
+          </a:p>
+          <a:p>
+            <a:endParaRPr lang="en-US" sz="1600" dirty="0">
+              <a:latin typeface="MS PGothic" panose="020B0600070205080204" pitchFamily="34" charset="-128"/>
+              <a:ea typeface="MS PGothic" panose="020B0600070205080204" pitchFamily="34" charset="-128"/>
+            </a:endParaRPr>
+          </a:p>
+        </p:txBody>
+      </p:sp>
+    </p:spTree>
+    <p:extLst>
+      <p:ext uri="{BB962C8B-B14F-4D97-AF65-F5344CB8AC3E}">
+        <p14:creationId xmlns:p14="http://schemas.microsoft.com/office/powerpoint/2010/main" val="2523090883"/>
+      </p:ext>
+    </p:extLst>
+  </p:cSld>
+  <p:clrMapOvr>
+    <a:masterClrMapping/>
+  </p:clrMapOvr>
+</p:sld>
+</file>
+
+<file path=ppt/slides/slide13.xml><?xml version="1.0" encoding="utf-8"?>
 <p:sld xmlns:a="http://schemas.openxmlformats.org/drawingml/2006/main" xmlns:r="http://schemas.openxmlformats.org/officeDocument/2006/relationships" xmlns:p="http://schemas.openxmlformats.org/presentationml/2006/main">
   <p:cSld>
     <p:spTree>
@@ -6188,141 +6423,6 @@
 </p:sld>
 </file>
 
-<file path=ppt/slides/slide13.xml><?xml version="1.0" encoding="utf-8"?>
-<p:sld xmlns:a="http://schemas.openxmlformats.org/drawingml/2006/main" xmlns:r="http://schemas.openxmlformats.org/officeDocument/2006/relationships" xmlns:p="http://schemas.openxmlformats.org/presentationml/2006/main">
-  <p:cSld>
-    <p:spTree>
-      <p:nvGrpSpPr>
-        <p:cNvPr id="1" name=""/>
-        <p:cNvGrpSpPr/>
-        <p:nvPr/>
-      </p:nvGrpSpPr>
-      <p:grpSpPr>
-        <a:xfrm>
-          <a:off x="0" y="0"/>
-          <a:ext cx="0" cy="0"/>
-          <a:chOff x="0" y="0"/>
-          <a:chExt cx="0" cy="0"/>
-        </a:xfrm>
-      </p:grpSpPr>
-      <p:sp>
-        <p:nvSpPr>
-          <p:cNvPr id="2" name="Title 1">
-            <a:extLst>
-              <a:ext uri="{FF2B5EF4-FFF2-40B4-BE49-F238E27FC236}">
-                <a16:creationId xmlns:a16="http://schemas.microsoft.com/office/drawing/2014/main" id="{659FFDCD-4905-664C-BF76-CB3580FBC996}"/>
-              </a:ext>
-            </a:extLst>
-          </p:cNvPr>
-          <p:cNvSpPr>
-            <a:spLocks noGrp="1"/>
-          </p:cNvSpPr>
-          <p:nvPr>
-            <p:ph type="title"/>
-          </p:nvPr>
-        </p:nvSpPr>
-        <p:spPr/>
-        <p:txBody>
-          <a:bodyPr/>
-          <a:lstStyle/>
-          <a:p>
-            <a:r>
-              <a:rPr lang="en-US" dirty="0"/>
-              <a:t>Compare values at specified indexes</a:t>
-            </a:r>
-          </a:p>
-        </p:txBody>
-      </p:sp>
-      <p:sp>
-        <p:nvSpPr>
-          <p:cNvPr id="3" name="Content Placeholder 2">
-            <a:extLst>
-              <a:ext uri="{FF2B5EF4-FFF2-40B4-BE49-F238E27FC236}">
-                <a16:creationId xmlns:a16="http://schemas.microsoft.com/office/drawing/2014/main" id="{AD52673E-A15E-5D52-BFEB-60A3C97FF1D0}"/>
-              </a:ext>
-            </a:extLst>
-          </p:cNvPr>
-          <p:cNvSpPr>
-            <a:spLocks noGrp="1"/>
-          </p:cNvSpPr>
-          <p:nvPr>
-            <p:ph sz="half" idx="1"/>
-          </p:nvPr>
-        </p:nvSpPr>
-        <p:spPr/>
-        <p:txBody>
-          <a:bodyPr/>
-          <a:lstStyle/>
-          <a:p>
-            <a:r>
-              <a:rPr lang="en-US" sz="2400" dirty="0"/>
-              <a:t>Example: Reverse only vowels in a string</a:t>
-            </a:r>
-          </a:p>
-          <a:p>
-            <a:endParaRPr lang="en-US" sz="2400" dirty="0"/>
-          </a:p>
-          <a:p>
-            <a:r>
-              <a:rPr lang="en-US" sz="2400" dirty="0"/>
-              <a:t>Find indexes of first and last vowels</a:t>
-            </a:r>
-          </a:p>
-          <a:p>
-            <a:r>
-              <a:rPr lang="en-US" sz="2400" dirty="0"/>
-              <a:t>Swap the elements at those indexes</a:t>
-            </a:r>
-          </a:p>
-          <a:p>
-            <a:r>
-              <a:rPr lang="en-US" sz="2400" dirty="0"/>
-              <a:t>Iterate</a:t>
-            </a:r>
-          </a:p>
-        </p:txBody>
-      </p:sp>
-      <p:sp>
-        <p:nvSpPr>
-          <p:cNvPr id="4" name="Content Placeholder 3">
-            <a:extLst>
-              <a:ext uri="{FF2B5EF4-FFF2-40B4-BE49-F238E27FC236}">
-                <a16:creationId xmlns:a16="http://schemas.microsoft.com/office/drawing/2014/main" id="{BF2CF5ED-DB19-FB50-8FFF-C4719D06DE61}"/>
-              </a:ext>
-            </a:extLst>
-          </p:cNvPr>
-          <p:cNvSpPr>
-            <a:spLocks noGrp="1"/>
-          </p:cNvSpPr>
-          <p:nvPr>
-            <p:ph sz="half" idx="2"/>
-          </p:nvPr>
-        </p:nvSpPr>
-        <p:spPr/>
-        <p:txBody>
-          <a:bodyPr/>
-          <a:lstStyle/>
-          <a:p>
-            <a:endParaRPr lang="en-US" sz="1600" dirty="0">
-              <a:latin typeface="MS PGothic" panose="020B0600070205080204" pitchFamily="34" charset="-128"/>
-              <a:ea typeface="MS PGothic" panose="020B0600070205080204" pitchFamily="34" charset="-128"/>
-            </a:endParaRPr>
-          </a:p>
-        </p:txBody>
-      </p:sp>
-    </p:spTree>
-    <p:extLst>
-      <p:ext uri="{BB962C8B-B14F-4D97-AF65-F5344CB8AC3E}">
-        <p14:creationId xmlns:p14="http://schemas.microsoft.com/office/powerpoint/2010/main" val="2997560442"/>
-      </p:ext>
-    </p:extLst>
-  </p:cSld>
-  <p:clrMapOvr>
-    <a:masterClrMapping/>
-  </p:clrMapOvr>
-</p:sld>
-</file>
-
 <file path=ppt/slides/slide14.xml><?xml version="1.0" encoding="utf-8"?>
 <p:sld xmlns:a="http://schemas.openxmlformats.org/drawingml/2006/main" xmlns:r="http://schemas.openxmlformats.org/officeDocument/2006/relationships" xmlns:p="http://schemas.openxmlformats.org/presentationml/2006/main">
   <p:cSld>
@@ -6397,7 +6497,15 @@
           <a:p>
             <a:r>
               <a:rPr lang="en-US" sz="2800" dirty="0"/>
-              <a:t>Use “if” inside loop to control movement of pointer</a:t>
+              <a:t>Use “if” inside loop to set </a:t>
+            </a:r>
+            <a:r>
+              <a:rPr lang="en-US" dirty="0"/>
+              <a:t>index of </a:t>
+            </a:r>
+            <a:r>
+              <a:rPr lang="en-US" sz="2800" dirty="0"/>
+              <a:t>pointer</a:t>
             </a:r>
           </a:p>
         </p:txBody>
@@ -6483,6 +6591,1929 @@
           <a:p>
             <a:r>
               <a:rPr lang="en-US" dirty="0"/>
+              <a:t>Reverse Even Index elements</a:t>
+            </a:r>
+          </a:p>
+        </p:txBody>
+      </p:sp>
+      <p:sp>
+        <p:nvSpPr>
+          <p:cNvPr id="4" name="Rectangle 3">
+            <a:extLst>
+              <a:ext uri="{FF2B5EF4-FFF2-40B4-BE49-F238E27FC236}">
+                <a16:creationId xmlns:a16="http://schemas.microsoft.com/office/drawing/2014/main" id="{529C82D8-93EE-BD9D-AB50-939BCB863DCF}"/>
+              </a:ext>
+            </a:extLst>
+          </p:cNvPr>
+          <p:cNvSpPr/>
+          <p:nvPr/>
+        </p:nvSpPr>
+        <p:spPr bwMode="auto">
+          <a:xfrm>
+            <a:off x="1354347" y="1546709"/>
+            <a:ext cx="931653" cy="319177"/>
+          </a:xfrm>
+          <a:prstGeom prst="rect">
+            <a:avLst/>
+          </a:prstGeom>
+          <a:ln>
+            <a:headEnd type="none" w="med" len="med"/>
+            <a:tailEnd type="none" w="med" len="med"/>
+          </a:ln>
+        </p:spPr>
+        <p:style>
+          <a:lnRef idx="1">
+            <a:schemeClr val="accent6"/>
+          </a:lnRef>
+          <a:fillRef idx="3">
+            <a:schemeClr val="accent6"/>
+          </a:fillRef>
+          <a:effectRef idx="2">
+            <a:schemeClr val="accent6"/>
+          </a:effectRef>
+          <a:fontRef idx="minor">
+            <a:schemeClr val="lt1"/>
+          </a:fontRef>
+        </p:style>
+        <p:txBody>
+          <a:bodyPr vert="horz" wrap="square" lIns="182880" tIns="45720" rIns="182880" bIns="45720" numCol="1" rtlCol="0" anchor="ctr" anchorCtr="0" compatLnSpc="1">
+            <a:prstTxWarp prst="textNoShape">
+              <a:avLst/>
+            </a:prstTxWarp>
+          </a:bodyPr>
+          <a:lstStyle/>
+          <a:p>
+            <a:pPr marL="0" marR="0" indent="0" algn="ctr" defTabSz="914400" rtl="0" eaLnBrk="0" fontAlgn="base" latinLnBrk="0" hangingPunct="0">
+              <a:lnSpc>
+                <a:spcPct val="100000"/>
+              </a:lnSpc>
+              <a:spcBef>
+                <a:spcPct val="0"/>
+              </a:spcBef>
+              <a:spcAft>
+                <a:spcPct val="0"/>
+              </a:spcAft>
+              <a:buClrTx/>
+              <a:buSzTx/>
+              <a:buFontTx/>
+              <a:buNone/>
+              <a:tabLst/>
+            </a:pPr>
+            <a:r>
+              <a:rPr lang="en-US" dirty="0">
+                <a:solidFill>
+                  <a:schemeClr val="bg2"/>
+                </a:solidFill>
+                <a:latin typeface="Verdana" pitchFamily="34" charset="0"/>
+              </a:rPr>
+              <a:t>1</a:t>
+            </a:r>
+            <a:endParaRPr kumimoji="0" lang="en-US" sz="1800" b="1" i="0" u="none" strike="noStrike" cap="none" normalizeH="0" baseline="0" dirty="0">
+              <a:ln>
+                <a:noFill/>
+              </a:ln>
+              <a:solidFill>
+                <a:schemeClr val="bg2"/>
+              </a:solidFill>
+              <a:effectLst/>
+              <a:latin typeface="Verdana" pitchFamily="34" charset="0"/>
+            </a:endParaRPr>
+          </a:p>
+        </p:txBody>
+      </p:sp>
+      <p:sp>
+        <p:nvSpPr>
+          <p:cNvPr id="5" name="Rectangle 4">
+            <a:extLst>
+              <a:ext uri="{FF2B5EF4-FFF2-40B4-BE49-F238E27FC236}">
+                <a16:creationId xmlns:a16="http://schemas.microsoft.com/office/drawing/2014/main" id="{D884FE82-79DE-5236-7F04-8F11E9CAFE8C}"/>
+              </a:ext>
+            </a:extLst>
+          </p:cNvPr>
+          <p:cNvSpPr/>
+          <p:nvPr/>
+        </p:nvSpPr>
+        <p:spPr bwMode="auto">
+          <a:xfrm>
+            <a:off x="2337759" y="1539520"/>
+            <a:ext cx="931653" cy="319177"/>
+          </a:xfrm>
+          <a:prstGeom prst="rect">
+            <a:avLst/>
+          </a:prstGeom>
+          <a:ln>
+            <a:headEnd type="none" w="med" len="med"/>
+            <a:tailEnd type="none" w="med" len="med"/>
+          </a:ln>
+        </p:spPr>
+        <p:style>
+          <a:lnRef idx="1">
+            <a:schemeClr val="accent6"/>
+          </a:lnRef>
+          <a:fillRef idx="3">
+            <a:schemeClr val="accent6"/>
+          </a:fillRef>
+          <a:effectRef idx="2">
+            <a:schemeClr val="accent6"/>
+          </a:effectRef>
+          <a:fontRef idx="minor">
+            <a:schemeClr val="lt1"/>
+          </a:fontRef>
+        </p:style>
+        <p:txBody>
+          <a:bodyPr vert="horz" wrap="square" lIns="182880" tIns="45720" rIns="182880" bIns="45720" numCol="1" rtlCol="0" anchor="ctr" anchorCtr="0" compatLnSpc="1">
+            <a:prstTxWarp prst="textNoShape">
+              <a:avLst/>
+            </a:prstTxWarp>
+          </a:bodyPr>
+          <a:lstStyle/>
+          <a:p>
+            <a:pPr marL="0" marR="0" indent="0" algn="ctr" defTabSz="914400" rtl="0" eaLnBrk="0" fontAlgn="base" latinLnBrk="0" hangingPunct="0">
+              <a:lnSpc>
+                <a:spcPct val="100000"/>
+              </a:lnSpc>
+              <a:spcBef>
+                <a:spcPct val="0"/>
+              </a:spcBef>
+              <a:spcAft>
+                <a:spcPct val="0"/>
+              </a:spcAft>
+              <a:buClrTx/>
+              <a:buSzTx/>
+              <a:buFontTx/>
+              <a:buNone/>
+              <a:tabLst/>
+            </a:pPr>
+            <a:r>
+              <a:rPr lang="en-US" dirty="0">
+                <a:solidFill>
+                  <a:schemeClr val="bg2"/>
+                </a:solidFill>
+                <a:latin typeface="Verdana" pitchFamily="34" charset="0"/>
+              </a:rPr>
+              <a:t>2</a:t>
+            </a:r>
+            <a:endParaRPr kumimoji="0" lang="en-US" sz="1800" b="1" i="0" u="none" strike="noStrike" cap="none" normalizeH="0" baseline="0" dirty="0">
+              <a:ln>
+                <a:noFill/>
+              </a:ln>
+              <a:solidFill>
+                <a:schemeClr val="bg2"/>
+              </a:solidFill>
+              <a:effectLst/>
+              <a:latin typeface="Verdana" pitchFamily="34" charset="0"/>
+            </a:endParaRPr>
+          </a:p>
+        </p:txBody>
+      </p:sp>
+      <p:sp>
+        <p:nvSpPr>
+          <p:cNvPr id="6" name="Rectangle 5">
+            <a:extLst>
+              <a:ext uri="{FF2B5EF4-FFF2-40B4-BE49-F238E27FC236}">
+                <a16:creationId xmlns:a16="http://schemas.microsoft.com/office/drawing/2014/main" id="{0E17D510-0721-6CB9-1AD5-A8C953E1FE7F}"/>
+              </a:ext>
+            </a:extLst>
+          </p:cNvPr>
+          <p:cNvSpPr/>
+          <p:nvPr/>
+        </p:nvSpPr>
+        <p:spPr bwMode="auto">
+          <a:xfrm>
+            <a:off x="3321171" y="1532331"/>
+            <a:ext cx="931653" cy="319177"/>
+          </a:xfrm>
+          <a:prstGeom prst="rect">
+            <a:avLst/>
+          </a:prstGeom>
+          <a:ln>
+            <a:headEnd type="none" w="med" len="med"/>
+            <a:tailEnd type="none" w="med" len="med"/>
+          </a:ln>
+        </p:spPr>
+        <p:style>
+          <a:lnRef idx="1">
+            <a:schemeClr val="accent6"/>
+          </a:lnRef>
+          <a:fillRef idx="3">
+            <a:schemeClr val="accent6"/>
+          </a:fillRef>
+          <a:effectRef idx="2">
+            <a:schemeClr val="accent6"/>
+          </a:effectRef>
+          <a:fontRef idx="minor">
+            <a:schemeClr val="lt1"/>
+          </a:fontRef>
+        </p:style>
+        <p:txBody>
+          <a:bodyPr vert="horz" wrap="square" lIns="182880" tIns="45720" rIns="182880" bIns="45720" numCol="1" rtlCol="0" anchor="ctr" anchorCtr="0" compatLnSpc="1">
+            <a:prstTxWarp prst="textNoShape">
+              <a:avLst/>
+            </a:prstTxWarp>
+          </a:bodyPr>
+          <a:lstStyle/>
+          <a:p>
+            <a:pPr marL="0" marR="0" indent="0" algn="ctr" defTabSz="914400" rtl="0" eaLnBrk="0" fontAlgn="base" latinLnBrk="0" hangingPunct="0">
+              <a:lnSpc>
+                <a:spcPct val="100000"/>
+              </a:lnSpc>
+              <a:spcBef>
+                <a:spcPct val="0"/>
+              </a:spcBef>
+              <a:spcAft>
+                <a:spcPct val="0"/>
+              </a:spcAft>
+              <a:buClrTx/>
+              <a:buSzTx/>
+              <a:buFontTx/>
+              <a:buNone/>
+              <a:tabLst/>
+            </a:pPr>
+            <a:r>
+              <a:rPr lang="en-US" dirty="0">
+                <a:solidFill>
+                  <a:schemeClr val="bg2"/>
+                </a:solidFill>
+                <a:latin typeface="Verdana" pitchFamily="34" charset="0"/>
+              </a:rPr>
+              <a:t>3</a:t>
+            </a:r>
+            <a:endParaRPr kumimoji="0" lang="en-US" sz="1800" b="1" i="0" u="none" strike="noStrike" cap="none" normalizeH="0" baseline="0" dirty="0">
+              <a:ln>
+                <a:noFill/>
+              </a:ln>
+              <a:solidFill>
+                <a:schemeClr val="bg2"/>
+              </a:solidFill>
+              <a:effectLst/>
+              <a:latin typeface="Verdana" pitchFamily="34" charset="0"/>
+            </a:endParaRPr>
+          </a:p>
+        </p:txBody>
+      </p:sp>
+      <p:sp>
+        <p:nvSpPr>
+          <p:cNvPr id="7" name="Rectangle 6">
+            <a:extLst>
+              <a:ext uri="{FF2B5EF4-FFF2-40B4-BE49-F238E27FC236}">
+                <a16:creationId xmlns:a16="http://schemas.microsoft.com/office/drawing/2014/main" id="{6E793FFF-076F-594F-2648-47D4D95D085E}"/>
+              </a:ext>
+            </a:extLst>
+          </p:cNvPr>
+          <p:cNvSpPr/>
+          <p:nvPr/>
+        </p:nvSpPr>
+        <p:spPr bwMode="auto">
+          <a:xfrm>
+            <a:off x="4304583" y="1525142"/>
+            <a:ext cx="931653" cy="319177"/>
+          </a:xfrm>
+          <a:prstGeom prst="rect">
+            <a:avLst/>
+          </a:prstGeom>
+          <a:ln>
+            <a:headEnd type="none" w="med" len="med"/>
+            <a:tailEnd type="none" w="med" len="med"/>
+          </a:ln>
+        </p:spPr>
+        <p:style>
+          <a:lnRef idx="1">
+            <a:schemeClr val="accent6"/>
+          </a:lnRef>
+          <a:fillRef idx="3">
+            <a:schemeClr val="accent6"/>
+          </a:fillRef>
+          <a:effectRef idx="2">
+            <a:schemeClr val="accent6"/>
+          </a:effectRef>
+          <a:fontRef idx="minor">
+            <a:schemeClr val="lt1"/>
+          </a:fontRef>
+        </p:style>
+        <p:txBody>
+          <a:bodyPr vert="horz" wrap="square" lIns="182880" tIns="45720" rIns="182880" bIns="45720" numCol="1" rtlCol="0" anchor="ctr" anchorCtr="0" compatLnSpc="1">
+            <a:prstTxWarp prst="textNoShape">
+              <a:avLst/>
+            </a:prstTxWarp>
+          </a:bodyPr>
+          <a:lstStyle/>
+          <a:p>
+            <a:pPr marL="0" marR="0" indent="0" algn="ctr" defTabSz="914400" rtl="0" eaLnBrk="0" fontAlgn="base" latinLnBrk="0" hangingPunct="0">
+              <a:lnSpc>
+                <a:spcPct val="100000"/>
+              </a:lnSpc>
+              <a:spcBef>
+                <a:spcPct val="0"/>
+              </a:spcBef>
+              <a:spcAft>
+                <a:spcPct val="0"/>
+              </a:spcAft>
+              <a:buClrTx/>
+              <a:buSzTx/>
+              <a:buFontTx/>
+              <a:buNone/>
+              <a:tabLst/>
+            </a:pPr>
+            <a:r>
+              <a:rPr lang="en-US" dirty="0">
+                <a:solidFill>
+                  <a:schemeClr val="bg2"/>
+                </a:solidFill>
+                <a:latin typeface="Verdana" pitchFamily="34" charset="0"/>
+              </a:rPr>
+              <a:t>4</a:t>
+            </a:r>
+            <a:endParaRPr kumimoji="0" lang="en-US" sz="1800" b="1" i="0" u="none" strike="noStrike" cap="none" normalizeH="0" baseline="0" dirty="0">
+              <a:ln>
+                <a:noFill/>
+              </a:ln>
+              <a:solidFill>
+                <a:schemeClr val="bg2"/>
+              </a:solidFill>
+              <a:effectLst/>
+              <a:latin typeface="Verdana" pitchFamily="34" charset="0"/>
+            </a:endParaRPr>
+          </a:p>
+        </p:txBody>
+      </p:sp>
+      <p:sp>
+        <p:nvSpPr>
+          <p:cNvPr id="8" name="Rectangle 7">
+            <a:extLst>
+              <a:ext uri="{FF2B5EF4-FFF2-40B4-BE49-F238E27FC236}">
+                <a16:creationId xmlns:a16="http://schemas.microsoft.com/office/drawing/2014/main" id="{BB4496C2-B11C-5349-F340-6D5348E86FB2}"/>
+              </a:ext>
+            </a:extLst>
+          </p:cNvPr>
+          <p:cNvSpPr/>
+          <p:nvPr/>
+        </p:nvSpPr>
+        <p:spPr bwMode="auto">
+          <a:xfrm>
+            <a:off x="5287995" y="1517953"/>
+            <a:ext cx="931653" cy="319177"/>
+          </a:xfrm>
+          <a:prstGeom prst="rect">
+            <a:avLst/>
+          </a:prstGeom>
+          <a:ln>
+            <a:headEnd type="none" w="med" len="med"/>
+            <a:tailEnd type="none" w="med" len="med"/>
+          </a:ln>
+        </p:spPr>
+        <p:style>
+          <a:lnRef idx="1">
+            <a:schemeClr val="accent6"/>
+          </a:lnRef>
+          <a:fillRef idx="3">
+            <a:schemeClr val="accent6"/>
+          </a:fillRef>
+          <a:effectRef idx="2">
+            <a:schemeClr val="accent6"/>
+          </a:effectRef>
+          <a:fontRef idx="minor">
+            <a:schemeClr val="lt1"/>
+          </a:fontRef>
+        </p:style>
+        <p:txBody>
+          <a:bodyPr vert="horz" wrap="square" lIns="182880" tIns="45720" rIns="182880" bIns="45720" numCol="1" rtlCol="0" anchor="ctr" anchorCtr="0" compatLnSpc="1">
+            <a:prstTxWarp prst="textNoShape">
+              <a:avLst/>
+            </a:prstTxWarp>
+          </a:bodyPr>
+          <a:lstStyle/>
+          <a:p>
+            <a:pPr marL="0" marR="0" indent="0" algn="ctr" defTabSz="914400" rtl="0" eaLnBrk="0" fontAlgn="base" latinLnBrk="0" hangingPunct="0">
+              <a:lnSpc>
+                <a:spcPct val="100000"/>
+              </a:lnSpc>
+              <a:spcBef>
+                <a:spcPct val="0"/>
+              </a:spcBef>
+              <a:spcAft>
+                <a:spcPct val="0"/>
+              </a:spcAft>
+              <a:buClrTx/>
+              <a:buSzTx/>
+              <a:buFontTx/>
+              <a:buNone/>
+              <a:tabLst/>
+            </a:pPr>
+            <a:r>
+              <a:rPr lang="en-US" dirty="0">
+                <a:solidFill>
+                  <a:schemeClr val="bg2"/>
+                </a:solidFill>
+                <a:latin typeface="Verdana" pitchFamily="34" charset="0"/>
+              </a:rPr>
+              <a:t>5</a:t>
+            </a:r>
+            <a:endParaRPr kumimoji="0" lang="en-US" sz="1800" b="1" i="0" u="none" strike="noStrike" cap="none" normalizeH="0" baseline="0" dirty="0">
+              <a:ln>
+                <a:noFill/>
+              </a:ln>
+              <a:solidFill>
+                <a:schemeClr val="bg2"/>
+              </a:solidFill>
+              <a:effectLst/>
+              <a:latin typeface="Verdana" pitchFamily="34" charset="0"/>
+            </a:endParaRPr>
+          </a:p>
+        </p:txBody>
+      </p:sp>
+      <p:sp>
+        <p:nvSpPr>
+          <p:cNvPr id="9" name="Rectangle 8">
+            <a:extLst>
+              <a:ext uri="{FF2B5EF4-FFF2-40B4-BE49-F238E27FC236}">
+                <a16:creationId xmlns:a16="http://schemas.microsoft.com/office/drawing/2014/main" id="{1452D704-6EF6-8A9D-3A87-AAEFA7922F5B}"/>
+              </a:ext>
+            </a:extLst>
+          </p:cNvPr>
+          <p:cNvSpPr/>
+          <p:nvPr/>
+        </p:nvSpPr>
+        <p:spPr bwMode="auto">
+          <a:xfrm>
+            <a:off x="6271407" y="1510764"/>
+            <a:ext cx="931653" cy="319177"/>
+          </a:xfrm>
+          <a:prstGeom prst="rect">
+            <a:avLst/>
+          </a:prstGeom>
+          <a:ln>
+            <a:headEnd type="none" w="med" len="med"/>
+            <a:tailEnd type="none" w="med" len="med"/>
+          </a:ln>
+        </p:spPr>
+        <p:style>
+          <a:lnRef idx="1">
+            <a:schemeClr val="accent6"/>
+          </a:lnRef>
+          <a:fillRef idx="3">
+            <a:schemeClr val="accent6"/>
+          </a:fillRef>
+          <a:effectRef idx="2">
+            <a:schemeClr val="accent6"/>
+          </a:effectRef>
+          <a:fontRef idx="minor">
+            <a:schemeClr val="lt1"/>
+          </a:fontRef>
+        </p:style>
+        <p:txBody>
+          <a:bodyPr vert="horz" wrap="square" lIns="182880" tIns="45720" rIns="182880" bIns="45720" numCol="1" rtlCol="0" anchor="ctr" anchorCtr="0" compatLnSpc="1">
+            <a:prstTxWarp prst="textNoShape">
+              <a:avLst/>
+            </a:prstTxWarp>
+          </a:bodyPr>
+          <a:lstStyle/>
+          <a:p>
+            <a:pPr marL="0" marR="0" indent="0" algn="ctr" defTabSz="914400" rtl="0" eaLnBrk="0" fontAlgn="base" latinLnBrk="0" hangingPunct="0">
+              <a:lnSpc>
+                <a:spcPct val="100000"/>
+              </a:lnSpc>
+              <a:spcBef>
+                <a:spcPct val="0"/>
+              </a:spcBef>
+              <a:spcAft>
+                <a:spcPct val="0"/>
+              </a:spcAft>
+              <a:buClrTx/>
+              <a:buSzTx/>
+              <a:buFontTx/>
+              <a:buNone/>
+              <a:tabLst/>
+            </a:pPr>
+            <a:r>
+              <a:rPr lang="en-US" dirty="0">
+                <a:solidFill>
+                  <a:schemeClr val="bg2"/>
+                </a:solidFill>
+                <a:latin typeface="Verdana" pitchFamily="34" charset="0"/>
+              </a:rPr>
+              <a:t>6</a:t>
+            </a:r>
+            <a:endParaRPr kumimoji="0" lang="en-US" sz="1800" b="1" i="0" u="none" strike="noStrike" cap="none" normalizeH="0" baseline="0" dirty="0">
+              <a:ln>
+                <a:noFill/>
+              </a:ln>
+              <a:solidFill>
+                <a:schemeClr val="bg2"/>
+              </a:solidFill>
+              <a:effectLst/>
+              <a:latin typeface="Verdana" pitchFamily="34" charset="0"/>
+            </a:endParaRPr>
+          </a:p>
+        </p:txBody>
+      </p:sp>
+      <p:sp>
+        <p:nvSpPr>
+          <p:cNvPr id="14" name="Rectangle 13">
+            <a:extLst>
+              <a:ext uri="{FF2B5EF4-FFF2-40B4-BE49-F238E27FC236}">
+                <a16:creationId xmlns:a16="http://schemas.microsoft.com/office/drawing/2014/main" id="{E2C3087C-0A8F-6BB7-3AF6-0D55DDC44F3F}"/>
+              </a:ext>
+            </a:extLst>
+          </p:cNvPr>
+          <p:cNvSpPr/>
+          <p:nvPr/>
+        </p:nvSpPr>
+        <p:spPr bwMode="auto">
+          <a:xfrm>
+            <a:off x="6297291" y="2275386"/>
+            <a:ext cx="931653" cy="319177"/>
+          </a:xfrm>
+          <a:prstGeom prst="rect">
+            <a:avLst/>
+          </a:prstGeom>
+          <a:ln>
+            <a:headEnd type="none" w="med" len="med"/>
+            <a:tailEnd type="none" w="med" len="med"/>
+          </a:ln>
+        </p:spPr>
+        <p:style>
+          <a:lnRef idx="1">
+            <a:schemeClr val="accent6"/>
+          </a:lnRef>
+          <a:fillRef idx="3">
+            <a:schemeClr val="accent6"/>
+          </a:fillRef>
+          <a:effectRef idx="2">
+            <a:schemeClr val="accent6"/>
+          </a:effectRef>
+          <a:fontRef idx="minor">
+            <a:schemeClr val="lt1"/>
+          </a:fontRef>
+        </p:style>
+        <p:txBody>
+          <a:bodyPr vert="horz" wrap="square" lIns="182880" tIns="45720" rIns="182880" bIns="45720" numCol="1" rtlCol="0" anchor="ctr" anchorCtr="0" compatLnSpc="1">
+            <a:prstTxWarp prst="textNoShape">
+              <a:avLst/>
+            </a:prstTxWarp>
+          </a:bodyPr>
+          <a:lstStyle/>
+          <a:p>
+            <a:pPr marL="0" marR="0" indent="0" algn="ctr" defTabSz="914400" rtl="0" eaLnBrk="0" fontAlgn="base" latinLnBrk="0" hangingPunct="0">
+              <a:lnSpc>
+                <a:spcPct val="100000"/>
+              </a:lnSpc>
+              <a:spcBef>
+                <a:spcPct val="0"/>
+              </a:spcBef>
+              <a:spcAft>
+                <a:spcPct val="0"/>
+              </a:spcAft>
+              <a:buClrTx/>
+              <a:buSzTx/>
+              <a:buFontTx/>
+              <a:buNone/>
+              <a:tabLst/>
+            </a:pPr>
+            <a:r>
+              <a:rPr kumimoji="0" lang="en-US" sz="1800" b="1" i="0" u="none" strike="noStrike" cap="none" normalizeH="0" baseline="0" dirty="0">
+                <a:ln>
+                  <a:noFill/>
+                </a:ln>
+                <a:solidFill>
+                  <a:schemeClr val="bg2"/>
+                </a:solidFill>
+                <a:effectLst/>
+                <a:latin typeface="Verdana" pitchFamily="34" charset="0"/>
+              </a:rPr>
+              <a:t>6</a:t>
+            </a:r>
+          </a:p>
+        </p:txBody>
+      </p:sp>
+      <p:sp>
+        <p:nvSpPr>
+          <p:cNvPr id="15" name="Rectangle 14">
+            <a:extLst>
+              <a:ext uri="{FF2B5EF4-FFF2-40B4-BE49-F238E27FC236}">
+                <a16:creationId xmlns:a16="http://schemas.microsoft.com/office/drawing/2014/main" id="{9AF98DF7-1ED3-01B3-6721-FED61D75B9DA}"/>
+              </a:ext>
+            </a:extLst>
+          </p:cNvPr>
+          <p:cNvSpPr/>
+          <p:nvPr/>
+        </p:nvSpPr>
+        <p:spPr bwMode="auto">
+          <a:xfrm>
+            <a:off x="5326816" y="2275386"/>
+            <a:ext cx="931653" cy="319177"/>
+          </a:xfrm>
+          <a:prstGeom prst="rect">
+            <a:avLst/>
+          </a:prstGeom>
+          <a:ln>
+            <a:headEnd type="none" w="med" len="med"/>
+            <a:tailEnd type="none" w="med" len="med"/>
+          </a:ln>
+        </p:spPr>
+        <p:style>
+          <a:lnRef idx="1">
+            <a:schemeClr val="accent6"/>
+          </a:lnRef>
+          <a:fillRef idx="3">
+            <a:schemeClr val="accent6"/>
+          </a:fillRef>
+          <a:effectRef idx="2">
+            <a:schemeClr val="accent6"/>
+          </a:effectRef>
+          <a:fontRef idx="minor">
+            <a:schemeClr val="lt1"/>
+          </a:fontRef>
+        </p:style>
+        <p:txBody>
+          <a:bodyPr vert="horz" wrap="square" lIns="182880" tIns="45720" rIns="182880" bIns="45720" numCol="1" rtlCol="0" anchor="ctr" anchorCtr="0" compatLnSpc="1">
+            <a:prstTxWarp prst="textNoShape">
+              <a:avLst/>
+            </a:prstTxWarp>
+          </a:bodyPr>
+          <a:lstStyle/>
+          <a:p>
+            <a:pPr marL="0" marR="0" indent="0" algn="ctr" defTabSz="914400" rtl="0" eaLnBrk="0" fontAlgn="base" latinLnBrk="0" hangingPunct="0">
+              <a:lnSpc>
+                <a:spcPct val="100000"/>
+              </a:lnSpc>
+              <a:spcBef>
+                <a:spcPct val="0"/>
+              </a:spcBef>
+              <a:spcAft>
+                <a:spcPct val="0"/>
+              </a:spcAft>
+              <a:buClrTx/>
+              <a:buSzTx/>
+              <a:buFontTx/>
+              <a:buNone/>
+              <a:tabLst/>
+            </a:pPr>
+            <a:r>
+              <a:rPr lang="en-US" dirty="0">
+                <a:solidFill>
+                  <a:schemeClr val="bg2"/>
+                </a:solidFill>
+                <a:latin typeface="Verdana" pitchFamily="34" charset="0"/>
+              </a:rPr>
+              <a:t>3</a:t>
+            </a:r>
+            <a:endParaRPr kumimoji="0" lang="en-US" sz="1800" b="1" i="0" u="none" strike="noStrike" cap="none" normalizeH="0" baseline="0" dirty="0">
+              <a:ln>
+                <a:noFill/>
+              </a:ln>
+              <a:solidFill>
+                <a:schemeClr val="bg2"/>
+              </a:solidFill>
+              <a:effectLst/>
+              <a:latin typeface="Verdana" pitchFamily="34" charset="0"/>
+            </a:endParaRPr>
+          </a:p>
+        </p:txBody>
+      </p:sp>
+      <p:sp>
+        <p:nvSpPr>
+          <p:cNvPr id="16" name="Rectangle 15">
+            <a:extLst>
+              <a:ext uri="{FF2B5EF4-FFF2-40B4-BE49-F238E27FC236}">
+                <a16:creationId xmlns:a16="http://schemas.microsoft.com/office/drawing/2014/main" id="{75AD9C51-9E23-F730-1CCB-D81F5215376C}"/>
+              </a:ext>
+            </a:extLst>
+          </p:cNvPr>
+          <p:cNvSpPr/>
+          <p:nvPr/>
+        </p:nvSpPr>
+        <p:spPr bwMode="auto">
+          <a:xfrm>
+            <a:off x="4321435" y="2275386"/>
+            <a:ext cx="931653" cy="319177"/>
+          </a:xfrm>
+          <a:prstGeom prst="rect">
+            <a:avLst/>
+          </a:prstGeom>
+          <a:ln>
+            <a:headEnd type="none" w="med" len="med"/>
+            <a:tailEnd type="none" w="med" len="med"/>
+          </a:ln>
+        </p:spPr>
+        <p:style>
+          <a:lnRef idx="1">
+            <a:schemeClr val="accent6"/>
+          </a:lnRef>
+          <a:fillRef idx="3">
+            <a:schemeClr val="accent6"/>
+          </a:fillRef>
+          <a:effectRef idx="2">
+            <a:schemeClr val="accent6"/>
+          </a:effectRef>
+          <a:fontRef idx="minor">
+            <a:schemeClr val="lt1"/>
+          </a:fontRef>
+        </p:style>
+        <p:txBody>
+          <a:bodyPr vert="horz" wrap="square" lIns="182880" tIns="45720" rIns="182880" bIns="45720" numCol="1" rtlCol="0" anchor="ctr" anchorCtr="0" compatLnSpc="1">
+            <a:prstTxWarp prst="textNoShape">
+              <a:avLst/>
+            </a:prstTxWarp>
+          </a:bodyPr>
+          <a:lstStyle/>
+          <a:p>
+            <a:pPr marL="0" marR="0" indent="0" algn="ctr" defTabSz="914400" rtl="0" eaLnBrk="0" fontAlgn="base" latinLnBrk="0" hangingPunct="0">
+              <a:lnSpc>
+                <a:spcPct val="100000"/>
+              </a:lnSpc>
+              <a:spcBef>
+                <a:spcPct val="0"/>
+              </a:spcBef>
+              <a:spcAft>
+                <a:spcPct val="0"/>
+              </a:spcAft>
+              <a:buClrTx/>
+              <a:buSzTx/>
+              <a:buFontTx/>
+              <a:buNone/>
+              <a:tabLst/>
+            </a:pPr>
+            <a:r>
+              <a:rPr lang="en-US" dirty="0">
+                <a:solidFill>
+                  <a:schemeClr val="bg2"/>
+                </a:solidFill>
+                <a:latin typeface="Verdana" pitchFamily="34" charset="0"/>
+              </a:rPr>
+              <a:t>4</a:t>
+            </a:r>
+            <a:endParaRPr kumimoji="0" lang="en-US" sz="1800" b="1" i="0" u="none" strike="noStrike" cap="none" normalizeH="0" baseline="0" dirty="0">
+              <a:ln>
+                <a:noFill/>
+              </a:ln>
+              <a:solidFill>
+                <a:schemeClr val="bg2"/>
+              </a:solidFill>
+              <a:effectLst/>
+              <a:latin typeface="Verdana" pitchFamily="34" charset="0"/>
+            </a:endParaRPr>
+          </a:p>
+        </p:txBody>
+      </p:sp>
+      <p:sp>
+        <p:nvSpPr>
+          <p:cNvPr id="17" name="Rectangle 16">
+            <a:extLst>
+              <a:ext uri="{FF2B5EF4-FFF2-40B4-BE49-F238E27FC236}">
+                <a16:creationId xmlns:a16="http://schemas.microsoft.com/office/drawing/2014/main" id="{39ED8396-53A8-24D6-D024-A08B7834A40A}"/>
+              </a:ext>
+            </a:extLst>
+          </p:cNvPr>
+          <p:cNvSpPr/>
+          <p:nvPr/>
+        </p:nvSpPr>
+        <p:spPr bwMode="auto">
+          <a:xfrm>
+            <a:off x="3347845" y="2275386"/>
+            <a:ext cx="931653" cy="319177"/>
+          </a:xfrm>
+          <a:prstGeom prst="rect">
+            <a:avLst/>
+          </a:prstGeom>
+          <a:ln>
+            <a:headEnd type="none" w="med" len="med"/>
+            <a:tailEnd type="none" w="med" len="med"/>
+          </a:ln>
+        </p:spPr>
+        <p:style>
+          <a:lnRef idx="1">
+            <a:schemeClr val="accent6"/>
+          </a:lnRef>
+          <a:fillRef idx="3">
+            <a:schemeClr val="accent6"/>
+          </a:fillRef>
+          <a:effectRef idx="2">
+            <a:schemeClr val="accent6"/>
+          </a:effectRef>
+          <a:fontRef idx="minor">
+            <a:schemeClr val="lt1"/>
+          </a:fontRef>
+        </p:style>
+        <p:txBody>
+          <a:bodyPr vert="horz" wrap="square" lIns="182880" tIns="45720" rIns="182880" bIns="45720" numCol="1" rtlCol="0" anchor="ctr" anchorCtr="0" compatLnSpc="1">
+            <a:prstTxWarp prst="textNoShape">
+              <a:avLst/>
+            </a:prstTxWarp>
+          </a:bodyPr>
+          <a:lstStyle/>
+          <a:p>
+            <a:pPr marL="0" marR="0" indent="0" algn="ctr" defTabSz="914400" rtl="0" eaLnBrk="0" fontAlgn="base" latinLnBrk="0" hangingPunct="0">
+              <a:lnSpc>
+                <a:spcPct val="100000"/>
+              </a:lnSpc>
+              <a:spcBef>
+                <a:spcPct val="0"/>
+              </a:spcBef>
+              <a:spcAft>
+                <a:spcPct val="0"/>
+              </a:spcAft>
+              <a:buClrTx/>
+              <a:buSzTx/>
+              <a:buFontTx/>
+              <a:buNone/>
+              <a:tabLst/>
+            </a:pPr>
+            <a:r>
+              <a:rPr lang="en-US" dirty="0">
+                <a:solidFill>
+                  <a:schemeClr val="bg2"/>
+                </a:solidFill>
+                <a:latin typeface="Verdana" pitchFamily="34" charset="0"/>
+              </a:rPr>
+              <a:t>5</a:t>
+            </a:r>
+            <a:endParaRPr kumimoji="0" lang="en-US" sz="1800" b="1" i="0" u="none" strike="noStrike" cap="none" normalizeH="0" baseline="0" dirty="0">
+              <a:ln>
+                <a:noFill/>
+              </a:ln>
+              <a:solidFill>
+                <a:schemeClr val="bg2"/>
+              </a:solidFill>
+              <a:effectLst/>
+              <a:latin typeface="Verdana" pitchFamily="34" charset="0"/>
+            </a:endParaRPr>
+          </a:p>
+        </p:txBody>
+      </p:sp>
+      <p:sp>
+        <p:nvSpPr>
+          <p:cNvPr id="18" name="Rectangle 17">
+            <a:extLst>
+              <a:ext uri="{FF2B5EF4-FFF2-40B4-BE49-F238E27FC236}">
+                <a16:creationId xmlns:a16="http://schemas.microsoft.com/office/drawing/2014/main" id="{32C937C1-43A3-FD15-7D54-24913263996D}"/>
+              </a:ext>
+            </a:extLst>
+          </p:cNvPr>
+          <p:cNvSpPr/>
+          <p:nvPr/>
+        </p:nvSpPr>
+        <p:spPr bwMode="auto">
+          <a:xfrm>
+            <a:off x="2372262" y="2275386"/>
+            <a:ext cx="931653" cy="319177"/>
+          </a:xfrm>
+          <a:prstGeom prst="rect">
+            <a:avLst/>
+          </a:prstGeom>
+          <a:ln>
+            <a:headEnd type="none" w="med" len="med"/>
+            <a:tailEnd type="none" w="med" len="med"/>
+          </a:ln>
+        </p:spPr>
+        <p:style>
+          <a:lnRef idx="1">
+            <a:schemeClr val="accent6"/>
+          </a:lnRef>
+          <a:fillRef idx="3">
+            <a:schemeClr val="accent6"/>
+          </a:fillRef>
+          <a:effectRef idx="2">
+            <a:schemeClr val="accent6"/>
+          </a:effectRef>
+          <a:fontRef idx="minor">
+            <a:schemeClr val="lt1"/>
+          </a:fontRef>
+        </p:style>
+        <p:txBody>
+          <a:bodyPr vert="horz" wrap="square" lIns="182880" tIns="45720" rIns="182880" bIns="45720" numCol="1" rtlCol="0" anchor="ctr" anchorCtr="0" compatLnSpc="1">
+            <a:prstTxWarp prst="textNoShape">
+              <a:avLst/>
+            </a:prstTxWarp>
+          </a:bodyPr>
+          <a:lstStyle/>
+          <a:p>
+            <a:pPr marL="0" marR="0" indent="0" algn="ctr" defTabSz="914400" rtl="0" eaLnBrk="0" fontAlgn="base" latinLnBrk="0" hangingPunct="0">
+              <a:lnSpc>
+                <a:spcPct val="100000"/>
+              </a:lnSpc>
+              <a:spcBef>
+                <a:spcPct val="0"/>
+              </a:spcBef>
+              <a:spcAft>
+                <a:spcPct val="0"/>
+              </a:spcAft>
+              <a:buClrTx/>
+              <a:buSzTx/>
+              <a:buFontTx/>
+              <a:buNone/>
+              <a:tabLst/>
+            </a:pPr>
+            <a:r>
+              <a:rPr kumimoji="0" lang="en-US" sz="1800" b="1" i="0" u="none" strike="noStrike" cap="none" normalizeH="0" baseline="0" dirty="0">
+                <a:ln>
+                  <a:noFill/>
+                </a:ln>
+                <a:solidFill>
+                  <a:schemeClr val="bg2"/>
+                </a:solidFill>
+                <a:effectLst/>
+                <a:latin typeface="Verdana" pitchFamily="34" charset="0"/>
+              </a:rPr>
+              <a:t>2</a:t>
+            </a:r>
+          </a:p>
+        </p:txBody>
+      </p:sp>
+      <p:sp>
+        <p:nvSpPr>
+          <p:cNvPr id="20" name="Rectangle 19">
+            <a:extLst>
+              <a:ext uri="{FF2B5EF4-FFF2-40B4-BE49-F238E27FC236}">
+                <a16:creationId xmlns:a16="http://schemas.microsoft.com/office/drawing/2014/main" id="{9326567D-A774-ABC2-6906-B542136758C3}"/>
+              </a:ext>
+            </a:extLst>
+          </p:cNvPr>
+          <p:cNvSpPr/>
+          <p:nvPr/>
+        </p:nvSpPr>
+        <p:spPr bwMode="auto">
+          <a:xfrm>
+            <a:off x="1359904" y="2275386"/>
+            <a:ext cx="931653" cy="319177"/>
+          </a:xfrm>
+          <a:prstGeom prst="rect">
+            <a:avLst/>
+          </a:prstGeom>
+          <a:ln>
+            <a:headEnd type="none" w="med" len="med"/>
+            <a:tailEnd type="none" w="med" len="med"/>
+          </a:ln>
+        </p:spPr>
+        <p:style>
+          <a:lnRef idx="1">
+            <a:schemeClr val="accent6"/>
+          </a:lnRef>
+          <a:fillRef idx="3">
+            <a:schemeClr val="accent6"/>
+          </a:fillRef>
+          <a:effectRef idx="2">
+            <a:schemeClr val="accent6"/>
+          </a:effectRef>
+          <a:fontRef idx="minor">
+            <a:schemeClr val="lt1"/>
+          </a:fontRef>
+        </p:style>
+        <p:txBody>
+          <a:bodyPr vert="horz" wrap="square" lIns="182880" tIns="45720" rIns="182880" bIns="45720" numCol="1" rtlCol="0" anchor="ctr" anchorCtr="0" compatLnSpc="1">
+            <a:prstTxWarp prst="textNoShape">
+              <a:avLst/>
+            </a:prstTxWarp>
+          </a:bodyPr>
+          <a:lstStyle/>
+          <a:p>
+            <a:pPr marL="0" marR="0" indent="0" algn="ctr" defTabSz="914400" rtl="0" eaLnBrk="0" fontAlgn="base" latinLnBrk="0" hangingPunct="0">
+              <a:lnSpc>
+                <a:spcPct val="100000"/>
+              </a:lnSpc>
+              <a:spcBef>
+                <a:spcPct val="0"/>
+              </a:spcBef>
+              <a:spcAft>
+                <a:spcPct val="0"/>
+              </a:spcAft>
+              <a:buClrTx/>
+              <a:buSzTx/>
+              <a:buFontTx/>
+              <a:buNone/>
+              <a:tabLst/>
+            </a:pPr>
+            <a:r>
+              <a:rPr lang="en-US" dirty="0">
+                <a:solidFill>
+                  <a:schemeClr val="bg2"/>
+                </a:solidFill>
+                <a:latin typeface="Verdana" pitchFamily="34" charset="0"/>
+              </a:rPr>
+              <a:t>7</a:t>
+            </a:r>
+            <a:endParaRPr kumimoji="0" lang="en-US" sz="1800" b="1" i="0" u="none" strike="noStrike" cap="none" normalizeH="0" baseline="0" dirty="0">
+              <a:ln>
+                <a:noFill/>
+              </a:ln>
+              <a:solidFill>
+                <a:schemeClr val="bg2"/>
+              </a:solidFill>
+              <a:effectLst/>
+              <a:latin typeface="Verdana" pitchFamily="34" charset="0"/>
+            </a:endParaRPr>
+          </a:p>
+        </p:txBody>
+      </p:sp>
+      <p:sp>
+        <p:nvSpPr>
+          <p:cNvPr id="21" name="Rectangle 20">
+            <a:extLst>
+              <a:ext uri="{FF2B5EF4-FFF2-40B4-BE49-F238E27FC236}">
+                <a16:creationId xmlns:a16="http://schemas.microsoft.com/office/drawing/2014/main" id="{054C4AEC-08FA-454C-5C5F-6FD959055465}"/>
+              </a:ext>
+            </a:extLst>
+          </p:cNvPr>
+          <p:cNvSpPr/>
+          <p:nvPr/>
+        </p:nvSpPr>
+        <p:spPr bwMode="auto">
+          <a:xfrm>
+            <a:off x="1820176" y="3055452"/>
+            <a:ext cx="931653" cy="319177"/>
+          </a:xfrm>
+          <a:prstGeom prst="rect">
+            <a:avLst/>
+          </a:prstGeom>
+          <a:ln>
+            <a:headEnd type="none" w="med" len="med"/>
+            <a:tailEnd type="none" w="med" len="med"/>
+          </a:ln>
+        </p:spPr>
+        <p:style>
+          <a:lnRef idx="1">
+            <a:schemeClr val="accent6"/>
+          </a:lnRef>
+          <a:fillRef idx="3">
+            <a:schemeClr val="accent6"/>
+          </a:fillRef>
+          <a:effectRef idx="2">
+            <a:schemeClr val="accent6"/>
+          </a:effectRef>
+          <a:fontRef idx="minor">
+            <a:schemeClr val="lt1"/>
+          </a:fontRef>
+        </p:style>
+        <p:txBody>
+          <a:bodyPr vert="horz" wrap="square" lIns="182880" tIns="45720" rIns="182880" bIns="45720" numCol="1" rtlCol="0" anchor="ctr" anchorCtr="0" compatLnSpc="1">
+            <a:prstTxWarp prst="textNoShape">
+              <a:avLst/>
+            </a:prstTxWarp>
+          </a:bodyPr>
+          <a:lstStyle/>
+          <a:p>
+            <a:pPr marL="0" marR="0" indent="0" algn="ctr" defTabSz="914400" rtl="0" eaLnBrk="0" fontAlgn="base" latinLnBrk="0" hangingPunct="0">
+              <a:lnSpc>
+                <a:spcPct val="100000"/>
+              </a:lnSpc>
+              <a:spcBef>
+                <a:spcPct val="0"/>
+              </a:spcBef>
+              <a:spcAft>
+                <a:spcPct val="0"/>
+              </a:spcAft>
+              <a:buClrTx/>
+              <a:buSzTx/>
+              <a:buFontTx/>
+              <a:buNone/>
+              <a:tabLst/>
+            </a:pPr>
+            <a:endParaRPr kumimoji="0" lang="en-US" sz="1800" b="1" i="0" u="none" strike="noStrike" cap="none" normalizeH="0" baseline="0" dirty="0">
+              <a:ln>
+                <a:noFill/>
+              </a:ln>
+              <a:solidFill>
+                <a:schemeClr val="bg2"/>
+              </a:solidFill>
+              <a:effectLst/>
+              <a:latin typeface="Verdana" pitchFamily="34" charset="0"/>
+            </a:endParaRPr>
+          </a:p>
+        </p:txBody>
+      </p:sp>
+      <p:sp>
+        <p:nvSpPr>
+          <p:cNvPr id="22" name="TextBox 21">
+            <a:extLst>
+              <a:ext uri="{FF2B5EF4-FFF2-40B4-BE49-F238E27FC236}">
+                <a16:creationId xmlns:a16="http://schemas.microsoft.com/office/drawing/2014/main" id="{6E317511-52B1-FDD9-FE88-0D49C1E1FA33}"/>
+              </a:ext>
+            </a:extLst>
+          </p:cNvPr>
+          <p:cNvSpPr txBox="1"/>
+          <p:nvPr/>
+        </p:nvSpPr>
+        <p:spPr>
+          <a:xfrm>
+            <a:off x="560717" y="3030375"/>
+            <a:ext cx="1180131" cy="369332"/>
+          </a:xfrm>
+          <a:prstGeom prst="rect">
+            <a:avLst/>
+          </a:prstGeom>
+          <a:noFill/>
+        </p:spPr>
+        <p:txBody>
+          <a:bodyPr wrap="none" rtlCol="0">
+            <a:spAutoFit/>
+          </a:bodyPr>
+          <a:lstStyle/>
+          <a:p>
+            <a:r>
+              <a:rPr lang="en-US" dirty="0"/>
+              <a:t>Temp =</a:t>
+            </a:r>
+          </a:p>
+        </p:txBody>
+      </p:sp>
+      <p:sp>
+        <p:nvSpPr>
+          <p:cNvPr id="23" name="TextBox 22">
+            <a:extLst>
+              <a:ext uri="{FF2B5EF4-FFF2-40B4-BE49-F238E27FC236}">
+                <a16:creationId xmlns:a16="http://schemas.microsoft.com/office/drawing/2014/main" id="{68BADBA7-C46D-F1EE-C565-5C41601C67E0}"/>
+              </a:ext>
+            </a:extLst>
+          </p:cNvPr>
+          <p:cNvSpPr txBox="1"/>
+          <p:nvPr/>
+        </p:nvSpPr>
+        <p:spPr>
+          <a:xfrm>
+            <a:off x="1646087" y="1829941"/>
+            <a:ext cx="348172" cy="369332"/>
+          </a:xfrm>
+          <a:prstGeom prst="rect">
+            <a:avLst/>
+          </a:prstGeom>
+          <a:noFill/>
+        </p:spPr>
+        <p:txBody>
+          <a:bodyPr wrap="none" rtlCol="0">
+            <a:spAutoFit/>
+          </a:bodyPr>
+          <a:lstStyle/>
+          <a:p>
+            <a:r>
+              <a:rPr lang="en-US" dirty="0"/>
+              <a:t>0</a:t>
+            </a:r>
+          </a:p>
+        </p:txBody>
+      </p:sp>
+      <p:sp>
+        <p:nvSpPr>
+          <p:cNvPr id="24" name="TextBox 23">
+            <a:extLst>
+              <a:ext uri="{FF2B5EF4-FFF2-40B4-BE49-F238E27FC236}">
+                <a16:creationId xmlns:a16="http://schemas.microsoft.com/office/drawing/2014/main" id="{B0077722-CBD7-C010-FC12-E8B8CCCD4279}"/>
+              </a:ext>
+            </a:extLst>
+          </p:cNvPr>
+          <p:cNvSpPr txBox="1"/>
+          <p:nvPr/>
+        </p:nvSpPr>
+        <p:spPr>
+          <a:xfrm>
+            <a:off x="460375" y="4017940"/>
+            <a:ext cx="5506636" cy="923330"/>
+          </a:xfrm>
+          <a:prstGeom prst="rect">
+            <a:avLst/>
+          </a:prstGeom>
+          <a:noFill/>
+        </p:spPr>
+        <p:txBody>
+          <a:bodyPr wrap="none" rtlCol="0">
+            <a:spAutoFit/>
+          </a:bodyPr>
+          <a:lstStyle/>
+          <a:p>
+            <a:r>
+              <a:rPr lang="en-US" dirty="0"/>
+              <a:t>“Length” is number of elements in array </a:t>
+            </a:r>
+          </a:p>
+          <a:p>
+            <a:endParaRPr lang="en-US" dirty="0"/>
+          </a:p>
+          <a:p>
+            <a:r>
+              <a:rPr lang="en-US" dirty="0"/>
+              <a:t>Loop will repeat Length/2 times</a:t>
+            </a:r>
+          </a:p>
+        </p:txBody>
+      </p:sp>
+      <p:sp>
+        <p:nvSpPr>
+          <p:cNvPr id="26" name="TextBox 25">
+            <a:extLst>
+              <a:ext uri="{FF2B5EF4-FFF2-40B4-BE49-F238E27FC236}">
+                <a16:creationId xmlns:a16="http://schemas.microsoft.com/office/drawing/2014/main" id="{510775CC-3077-B0B4-D4F9-2610459C31BB}"/>
+              </a:ext>
+            </a:extLst>
+          </p:cNvPr>
+          <p:cNvSpPr txBox="1"/>
+          <p:nvPr/>
+        </p:nvSpPr>
+        <p:spPr>
+          <a:xfrm>
+            <a:off x="2594684" y="1817401"/>
+            <a:ext cx="348172" cy="369332"/>
+          </a:xfrm>
+          <a:prstGeom prst="rect">
+            <a:avLst/>
+          </a:prstGeom>
+          <a:noFill/>
+        </p:spPr>
+        <p:txBody>
+          <a:bodyPr wrap="none" rtlCol="0">
+            <a:spAutoFit/>
+          </a:bodyPr>
+          <a:lstStyle/>
+          <a:p>
+            <a:r>
+              <a:rPr lang="en-US" dirty="0"/>
+              <a:t>1</a:t>
+            </a:r>
+          </a:p>
+        </p:txBody>
+      </p:sp>
+      <p:sp>
+        <p:nvSpPr>
+          <p:cNvPr id="27" name="TextBox 26">
+            <a:extLst>
+              <a:ext uri="{FF2B5EF4-FFF2-40B4-BE49-F238E27FC236}">
+                <a16:creationId xmlns:a16="http://schemas.microsoft.com/office/drawing/2014/main" id="{997218F9-34D5-E137-1370-3B5057131DD7}"/>
+              </a:ext>
+            </a:extLst>
+          </p:cNvPr>
+          <p:cNvSpPr txBox="1"/>
+          <p:nvPr/>
+        </p:nvSpPr>
+        <p:spPr>
+          <a:xfrm>
+            <a:off x="3543281" y="1804861"/>
+            <a:ext cx="348172" cy="369332"/>
+          </a:xfrm>
+          <a:prstGeom prst="rect">
+            <a:avLst/>
+          </a:prstGeom>
+          <a:noFill/>
+        </p:spPr>
+        <p:txBody>
+          <a:bodyPr wrap="none" rtlCol="0">
+            <a:spAutoFit/>
+          </a:bodyPr>
+          <a:lstStyle/>
+          <a:p>
+            <a:r>
+              <a:rPr lang="en-US" dirty="0"/>
+              <a:t>2</a:t>
+            </a:r>
+          </a:p>
+        </p:txBody>
+      </p:sp>
+      <p:sp>
+        <p:nvSpPr>
+          <p:cNvPr id="28" name="TextBox 27">
+            <a:extLst>
+              <a:ext uri="{FF2B5EF4-FFF2-40B4-BE49-F238E27FC236}">
+                <a16:creationId xmlns:a16="http://schemas.microsoft.com/office/drawing/2014/main" id="{89FB0721-441F-C0AE-E4FE-75B30E473D15}"/>
+              </a:ext>
+            </a:extLst>
+          </p:cNvPr>
+          <p:cNvSpPr txBox="1"/>
+          <p:nvPr/>
+        </p:nvSpPr>
+        <p:spPr>
+          <a:xfrm>
+            <a:off x="4491878" y="1792321"/>
+            <a:ext cx="348172" cy="369332"/>
+          </a:xfrm>
+          <a:prstGeom prst="rect">
+            <a:avLst/>
+          </a:prstGeom>
+          <a:noFill/>
+        </p:spPr>
+        <p:txBody>
+          <a:bodyPr wrap="none" rtlCol="0">
+            <a:spAutoFit/>
+          </a:bodyPr>
+          <a:lstStyle/>
+          <a:p>
+            <a:r>
+              <a:rPr lang="en-US" dirty="0"/>
+              <a:t>3</a:t>
+            </a:r>
+          </a:p>
+        </p:txBody>
+      </p:sp>
+      <p:sp>
+        <p:nvSpPr>
+          <p:cNvPr id="29" name="TextBox 28">
+            <a:extLst>
+              <a:ext uri="{FF2B5EF4-FFF2-40B4-BE49-F238E27FC236}">
+                <a16:creationId xmlns:a16="http://schemas.microsoft.com/office/drawing/2014/main" id="{71AE38CD-EFA4-9917-AF79-9BF3370C3679}"/>
+              </a:ext>
+            </a:extLst>
+          </p:cNvPr>
+          <p:cNvSpPr txBox="1"/>
+          <p:nvPr/>
+        </p:nvSpPr>
+        <p:spPr>
+          <a:xfrm>
+            <a:off x="5440475" y="1779781"/>
+            <a:ext cx="348172" cy="369332"/>
+          </a:xfrm>
+          <a:prstGeom prst="rect">
+            <a:avLst/>
+          </a:prstGeom>
+          <a:noFill/>
+        </p:spPr>
+        <p:txBody>
+          <a:bodyPr wrap="none" rtlCol="0">
+            <a:spAutoFit/>
+          </a:bodyPr>
+          <a:lstStyle/>
+          <a:p>
+            <a:r>
+              <a:rPr lang="en-US" dirty="0"/>
+              <a:t>4</a:t>
+            </a:r>
+          </a:p>
+        </p:txBody>
+      </p:sp>
+      <p:sp>
+        <p:nvSpPr>
+          <p:cNvPr id="30" name="TextBox 29">
+            <a:extLst>
+              <a:ext uri="{FF2B5EF4-FFF2-40B4-BE49-F238E27FC236}">
+                <a16:creationId xmlns:a16="http://schemas.microsoft.com/office/drawing/2014/main" id="{E9BECE7E-D2D7-7E86-DBC9-9EE5A436E3CC}"/>
+              </a:ext>
+            </a:extLst>
+          </p:cNvPr>
+          <p:cNvSpPr txBox="1"/>
+          <p:nvPr/>
+        </p:nvSpPr>
+        <p:spPr>
+          <a:xfrm>
+            <a:off x="6389072" y="1767241"/>
+            <a:ext cx="348172" cy="369332"/>
+          </a:xfrm>
+          <a:prstGeom prst="rect">
+            <a:avLst/>
+          </a:prstGeom>
+          <a:noFill/>
+        </p:spPr>
+        <p:txBody>
+          <a:bodyPr wrap="none" rtlCol="0">
+            <a:spAutoFit/>
+          </a:bodyPr>
+          <a:lstStyle/>
+          <a:p>
+            <a:r>
+              <a:rPr lang="en-US" dirty="0"/>
+              <a:t>5</a:t>
+            </a:r>
+          </a:p>
+        </p:txBody>
+      </p:sp>
+      <p:sp>
+        <p:nvSpPr>
+          <p:cNvPr id="32" name="Left Bracket 31">
+            <a:extLst>
+              <a:ext uri="{FF2B5EF4-FFF2-40B4-BE49-F238E27FC236}">
+                <a16:creationId xmlns:a16="http://schemas.microsoft.com/office/drawing/2014/main" id="{896E52BD-5AD8-6BDA-E8C9-21C8BCD736D9}"/>
+              </a:ext>
+            </a:extLst>
+          </p:cNvPr>
+          <p:cNvSpPr/>
+          <p:nvPr/>
+        </p:nvSpPr>
+        <p:spPr bwMode="auto">
+          <a:xfrm rot="5400000">
+            <a:off x="4534279" y="-1796633"/>
+            <a:ext cx="326556" cy="5913415"/>
+          </a:xfrm>
+          <a:prstGeom prst="leftBracket">
+            <a:avLst/>
+          </a:prstGeom>
+          <a:ln>
+            <a:headEnd type="none" w="med" len="med"/>
+            <a:tailEnd type="none" w="med" len="med"/>
+          </a:ln>
+        </p:spPr>
+        <p:style>
+          <a:lnRef idx="1">
+            <a:schemeClr val="accent6"/>
+          </a:lnRef>
+          <a:fillRef idx="0">
+            <a:schemeClr val="accent6"/>
+          </a:fillRef>
+          <a:effectRef idx="0">
+            <a:schemeClr val="accent6"/>
+          </a:effectRef>
+          <a:fontRef idx="minor">
+            <a:schemeClr val="tx1"/>
+          </a:fontRef>
+        </p:style>
+        <p:txBody>
+          <a:bodyPr vert="horz" wrap="square" lIns="182880" tIns="45720" rIns="182880" bIns="45720" numCol="1" rtlCol="0" anchor="ctr" anchorCtr="0" compatLnSpc="1">
+            <a:prstTxWarp prst="textNoShape">
+              <a:avLst/>
+            </a:prstTxWarp>
+          </a:bodyPr>
+          <a:lstStyle/>
+          <a:p>
+            <a:pPr marL="0" marR="0" indent="0" algn="ctr" defTabSz="914400" rtl="0" eaLnBrk="0" fontAlgn="base" latinLnBrk="0" hangingPunct="0">
+              <a:lnSpc>
+                <a:spcPct val="100000"/>
+              </a:lnSpc>
+              <a:spcBef>
+                <a:spcPct val="0"/>
+              </a:spcBef>
+              <a:spcAft>
+                <a:spcPct val="0"/>
+              </a:spcAft>
+              <a:buClrTx/>
+              <a:buSzTx/>
+              <a:buFontTx/>
+              <a:buNone/>
+              <a:tabLst/>
+            </a:pPr>
+            <a:endParaRPr kumimoji="0" lang="en-US" sz="1800" b="1" i="0" u="none" strike="noStrike" cap="none" normalizeH="0" baseline="0">
+              <a:ln>
+                <a:noFill/>
+              </a:ln>
+              <a:solidFill>
+                <a:schemeClr val="tx1"/>
+              </a:solidFill>
+              <a:effectLst/>
+              <a:latin typeface="Verdana" pitchFamily="34" charset="0"/>
+            </a:endParaRPr>
+          </a:p>
+        </p:txBody>
+      </p:sp>
+      <p:sp>
+        <p:nvSpPr>
+          <p:cNvPr id="34" name="Left Bracket 33">
+            <a:extLst>
+              <a:ext uri="{FF2B5EF4-FFF2-40B4-BE49-F238E27FC236}">
+                <a16:creationId xmlns:a16="http://schemas.microsoft.com/office/drawing/2014/main" id="{B48513D0-5B35-1A43-B7C4-4DA725BAB17D}"/>
+              </a:ext>
+            </a:extLst>
+          </p:cNvPr>
+          <p:cNvSpPr/>
+          <p:nvPr/>
+        </p:nvSpPr>
+        <p:spPr bwMode="auto">
+          <a:xfrm rot="5400000">
+            <a:off x="4624544" y="258580"/>
+            <a:ext cx="326556" cy="2001650"/>
+          </a:xfrm>
+          <a:prstGeom prst="leftBracket">
+            <a:avLst/>
+          </a:prstGeom>
+          <a:ln>
+            <a:headEnd type="none" w="med" len="med"/>
+            <a:tailEnd type="none" w="med" len="med"/>
+          </a:ln>
+        </p:spPr>
+        <p:style>
+          <a:lnRef idx="1">
+            <a:schemeClr val="accent6"/>
+          </a:lnRef>
+          <a:fillRef idx="0">
+            <a:schemeClr val="accent6"/>
+          </a:fillRef>
+          <a:effectRef idx="0">
+            <a:schemeClr val="accent6"/>
+          </a:effectRef>
+          <a:fontRef idx="minor">
+            <a:schemeClr val="tx1"/>
+          </a:fontRef>
+        </p:style>
+        <p:txBody>
+          <a:bodyPr vert="horz" wrap="square" lIns="182880" tIns="45720" rIns="182880" bIns="45720" numCol="1" rtlCol="0" anchor="ctr" anchorCtr="0" compatLnSpc="1">
+            <a:prstTxWarp prst="textNoShape">
+              <a:avLst/>
+            </a:prstTxWarp>
+          </a:bodyPr>
+          <a:lstStyle/>
+          <a:p>
+            <a:pPr marL="0" marR="0" indent="0" algn="ctr" defTabSz="914400" rtl="0" eaLnBrk="0" fontAlgn="base" latinLnBrk="0" hangingPunct="0">
+              <a:lnSpc>
+                <a:spcPct val="100000"/>
+              </a:lnSpc>
+              <a:spcBef>
+                <a:spcPct val="0"/>
+              </a:spcBef>
+              <a:spcAft>
+                <a:spcPct val="0"/>
+              </a:spcAft>
+              <a:buClrTx/>
+              <a:buSzTx/>
+              <a:buFontTx/>
+              <a:buNone/>
+              <a:tabLst/>
+            </a:pPr>
+            <a:endParaRPr kumimoji="0" lang="en-US" sz="1800" b="1" i="0" u="none" strike="noStrike" cap="none" normalizeH="0" baseline="0">
+              <a:ln>
+                <a:noFill/>
+              </a:ln>
+              <a:solidFill>
+                <a:schemeClr val="tx1"/>
+              </a:solidFill>
+              <a:effectLst/>
+              <a:latin typeface="Verdana" pitchFamily="34" charset="0"/>
+            </a:endParaRPr>
+          </a:p>
+        </p:txBody>
+      </p:sp>
+      <p:sp>
+        <p:nvSpPr>
+          <p:cNvPr id="3" name="Rectangle 2">
+            <a:extLst>
+              <a:ext uri="{FF2B5EF4-FFF2-40B4-BE49-F238E27FC236}">
+                <a16:creationId xmlns:a16="http://schemas.microsoft.com/office/drawing/2014/main" id="{456C0BC1-5D0F-6930-DFEA-FA40B9596F20}"/>
+              </a:ext>
+            </a:extLst>
+          </p:cNvPr>
+          <p:cNvSpPr/>
+          <p:nvPr/>
+        </p:nvSpPr>
+        <p:spPr bwMode="auto">
+          <a:xfrm>
+            <a:off x="7254831" y="1507889"/>
+            <a:ext cx="931653" cy="319177"/>
+          </a:xfrm>
+          <a:prstGeom prst="rect">
+            <a:avLst/>
+          </a:prstGeom>
+          <a:ln>
+            <a:headEnd type="none" w="med" len="med"/>
+            <a:tailEnd type="none" w="med" len="med"/>
+          </a:ln>
+        </p:spPr>
+        <p:style>
+          <a:lnRef idx="1">
+            <a:schemeClr val="accent6"/>
+          </a:lnRef>
+          <a:fillRef idx="3">
+            <a:schemeClr val="accent6"/>
+          </a:fillRef>
+          <a:effectRef idx="2">
+            <a:schemeClr val="accent6"/>
+          </a:effectRef>
+          <a:fontRef idx="minor">
+            <a:schemeClr val="lt1"/>
+          </a:fontRef>
+        </p:style>
+        <p:txBody>
+          <a:bodyPr vert="horz" wrap="square" lIns="182880" tIns="45720" rIns="182880" bIns="45720" numCol="1" rtlCol="0" anchor="ctr" anchorCtr="0" compatLnSpc="1">
+            <a:prstTxWarp prst="textNoShape">
+              <a:avLst/>
+            </a:prstTxWarp>
+          </a:bodyPr>
+          <a:lstStyle/>
+          <a:p>
+            <a:pPr marL="0" marR="0" indent="0" algn="ctr" defTabSz="914400" rtl="0" eaLnBrk="0" fontAlgn="base" latinLnBrk="0" hangingPunct="0">
+              <a:lnSpc>
+                <a:spcPct val="100000"/>
+              </a:lnSpc>
+              <a:spcBef>
+                <a:spcPct val="0"/>
+              </a:spcBef>
+              <a:spcAft>
+                <a:spcPct val="0"/>
+              </a:spcAft>
+              <a:buClrTx/>
+              <a:buSzTx/>
+              <a:buFontTx/>
+              <a:buNone/>
+              <a:tabLst/>
+            </a:pPr>
+            <a:r>
+              <a:rPr lang="en-US" dirty="0">
+                <a:solidFill>
+                  <a:schemeClr val="bg2"/>
+                </a:solidFill>
+                <a:latin typeface="Verdana" pitchFamily="34" charset="0"/>
+              </a:rPr>
+              <a:t>7</a:t>
+            </a:r>
+            <a:endParaRPr kumimoji="0" lang="en-US" sz="1800" b="1" i="0" u="none" strike="noStrike" cap="none" normalizeH="0" baseline="0" dirty="0">
+              <a:ln>
+                <a:noFill/>
+              </a:ln>
+              <a:solidFill>
+                <a:schemeClr val="bg2"/>
+              </a:solidFill>
+              <a:effectLst/>
+              <a:latin typeface="Verdana" pitchFamily="34" charset="0"/>
+            </a:endParaRPr>
+          </a:p>
+        </p:txBody>
+      </p:sp>
+      <p:sp>
+        <p:nvSpPr>
+          <p:cNvPr id="10" name="TextBox 9">
+            <a:extLst>
+              <a:ext uri="{FF2B5EF4-FFF2-40B4-BE49-F238E27FC236}">
+                <a16:creationId xmlns:a16="http://schemas.microsoft.com/office/drawing/2014/main" id="{D213D1C8-47D2-123C-1447-45D7B82B9646}"/>
+              </a:ext>
+            </a:extLst>
+          </p:cNvPr>
+          <p:cNvSpPr txBox="1"/>
+          <p:nvPr/>
+        </p:nvSpPr>
+        <p:spPr>
+          <a:xfrm>
+            <a:off x="7546571" y="1779781"/>
+            <a:ext cx="348172" cy="369332"/>
+          </a:xfrm>
+          <a:prstGeom prst="rect">
+            <a:avLst/>
+          </a:prstGeom>
+          <a:noFill/>
+        </p:spPr>
+        <p:txBody>
+          <a:bodyPr wrap="none" rtlCol="0">
+            <a:spAutoFit/>
+          </a:bodyPr>
+          <a:lstStyle/>
+          <a:p>
+            <a:r>
+              <a:rPr lang="en-US" dirty="0"/>
+              <a:t>6</a:t>
+            </a:r>
+          </a:p>
+        </p:txBody>
+      </p:sp>
+      <p:sp>
+        <p:nvSpPr>
+          <p:cNvPr id="11" name="Rectangle 10">
+            <a:extLst>
+              <a:ext uri="{FF2B5EF4-FFF2-40B4-BE49-F238E27FC236}">
+                <a16:creationId xmlns:a16="http://schemas.microsoft.com/office/drawing/2014/main" id="{CB5DA9D5-FA8E-B198-74A4-9A936733AB12}"/>
+              </a:ext>
+            </a:extLst>
+          </p:cNvPr>
+          <p:cNvSpPr/>
+          <p:nvPr/>
+        </p:nvSpPr>
+        <p:spPr bwMode="auto">
+          <a:xfrm>
+            <a:off x="7263461" y="2275386"/>
+            <a:ext cx="931653" cy="319177"/>
+          </a:xfrm>
+          <a:prstGeom prst="rect">
+            <a:avLst/>
+          </a:prstGeom>
+          <a:ln>
+            <a:headEnd type="none" w="med" len="med"/>
+            <a:tailEnd type="none" w="med" len="med"/>
+          </a:ln>
+        </p:spPr>
+        <p:style>
+          <a:lnRef idx="1">
+            <a:schemeClr val="accent6"/>
+          </a:lnRef>
+          <a:fillRef idx="3">
+            <a:schemeClr val="accent6"/>
+          </a:fillRef>
+          <a:effectRef idx="2">
+            <a:schemeClr val="accent6"/>
+          </a:effectRef>
+          <a:fontRef idx="minor">
+            <a:schemeClr val="lt1"/>
+          </a:fontRef>
+        </p:style>
+        <p:txBody>
+          <a:bodyPr vert="horz" wrap="square" lIns="182880" tIns="45720" rIns="182880" bIns="45720" numCol="1" rtlCol="0" anchor="ctr" anchorCtr="0" compatLnSpc="1">
+            <a:prstTxWarp prst="textNoShape">
+              <a:avLst/>
+            </a:prstTxWarp>
+          </a:bodyPr>
+          <a:lstStyle/>
+          <a:p>
+            <a:pPr marL="0" marR="0" indent="0" algn="ctr" defTabSz="914400" rtl="0" eaLnBrk="0" fontAlgn="base" latinLnBrk="0" hangingPunct="0">
+              <a:lnSpc>
+                <a:spcPct val="100000"/>
+              </a:lnSpc>
+              <a:spcBef>
+                <a:spcPct val="0"/>
+              </a:spcBef>
+              <a:spcAft>
+                <a:spcPct val="0"/>
+              </a:spcAft>
+              <a:buClrTx/>
+              <a:buSzTx/>
+              <a:buFontTx/>
+              <a:buNone/>
+              <a:tabLst/>
+            </a:pPr>
+            <a:r>
+              <a:rPr lang="en-US" dirty="0">
+                <a:solidFill>
+                  <a:schemeClr val="bg2"/>
+                </a:solidFill>
+                <a:latin typeface="Verdana" pitchFamily="34" charset="0"/>
+              </a:rPr>
+              <a:t>1</a:t>
+            </a:r>
+            <a:endParaRPr kumimoji="0" lang="en-US" sz="1800" b="1" i="0" u="none" strike="noStrike" cap="none" normalizeH="0" baseline="0" dirty="0">
+              <a:ln>
+                <a:noFill/>
+              </a:ln>
+              <a:solidFill>
+                <a:schemeClr val="bg2"/>
+              </a:solidFill>
+              <a:effectLst/>
+              <a:latin typeface="Verdana" pitchFamily="34" charset="0"/>
+            </a:endParaRPr>
+          </a:p>
+        </p:txBody>
+      </p:sp>
+    </p:spTree>
+    <p:extLst>
+      <p:ext uri="{BB962C8B-B14F-4D97-AF65-F5344CB8AC3E}">
+        <p14:creationId xmlns:p14="http://schemas.microsoft.com/office/powerpoint/2010/main" val="2685044851"/>
+      </p:ext>
+    </p:extLst>
+  </p:cSld>
+  <p:clrMapOvr>
+    <a:masterClrMapping/>
+  </p:clrMapOvr>
+</p:sld>
+</file>
+
+<file path=ppt/slides/slide16.xml><?xml version="1.0" encoding="utf-8"?>
+<p:sld xmlns:a="http://schemas.openxmlformats.org/drawingml/2006/main" xmlns:r="http://schemas.openxmlformats.org/officeDocument/2006/relationships" xmlns:p="http://schemas.openxmlformats.org/presentationml/2006/main">
+  <p:cSld>
+    <p:spTree>
+      <p:nvGrpSpPr>
+        <p:cNvPr id="1" name=""/>
+        <p:cNvGrpSpPr/>
+        <p:nvPr/>
+      </p:nvGrpSpPr>
+      <p:grpSpPr>
+        <a:xfrm>
+          <a:off x="0" y="0"/>
+          <a:ext cx="0" cy="0"/>
+          <a:chOff x="0" y="0"/>
+          <a:chExt cx="0" cy="0"/>
+        </a:xfrm>
+      </p:grpSpPr>
+      <p:sp>
+        <p:nvSpPr>
+          <p:cNvPr id="2" name="Title 1">
+            <a:extLst>
+              <a:ext uri="{FF2B5EF4-FFF2-40B4-BE49-F238E27FC236}">
+                <a16:creationId xmlns:a16="http://schemas.microsoft.com/office/drawing/2014/main" id="{659FFDCD-4905-664C-BF76-CB3580FBC996}"/>
+              </a:ext>
+            </a:extLst>
+          </p:cNvPr>
+          <p:cNvSpPr>
+            <a:spLocks noGrp="1"/>
+          </p:cNvSpPr>
+          <p:nvPr>
+            <p:ph type="title"/>
+          </p:nvPr>
+        </p:nvSpPr>
+        <p:spPr/>
+        <p:txBody>
+          <a:bodyPr/>
+          <a:lstStyle/>
+          <a:p>
+            <a:r>
+              <a:rPr lang="en-US" dirty="0"/>
+              <a:t>Compare values at specified indexes</a:t>
+            </a:r>
+          </a:p>
+        </p:txBody>
+      </p:sp>
+      <p:sp>
+        <p:nvSpPr>
+          <p:cNvPr id="3" name="Content Placeholder 2">
+            <a:extLst>
+              <a:ext uri="{FF2B5EF4-FFF2-40B4-BE49-F238E27FC236}">
+                <a16:creationId xmlns:a16="http://schemas.microsoft.com/office/drawing/2014/main" id="{AD52673E-A15E-5D52-BFEB-60A3C97FF1D0}"/>
+              </a:ext>
+            </a:extLst>
+          </p:cNvPr>
+          <p:cNvSpPr>
+            <a:spLocks noGrp="1"/>
+          </p:cNvSpPr>
+          <p:nvPr>
+            <p:ph sz="half" idx="1"/>
+          </p:nvPr>
+        </p:nvSpPr>
+        <p:spPr/>
+        <p:txBody>
+          <a:bodyPr/>
+          <a:lstStyle/>
+          <a:p>
+            <a:r>
+              <a:rPr lang="en-US" sz="2400" dirty="0"/>
+              <a:t>Example: Reverse only vowels in a string</a:t>
+            </a:r>
+          </a:p>
+          <a:p>
+            <a:endParaRPr lang="en-US" sz="2400" dirty="0"/>
+          </a:p>
+          <a:p>
+            <a:r>
+              <a:rPr lang="en-US" sz="2400" dirty="0"/>
+              <a:t>Find indexes of first and last vowels</a:t>
+            </a:r>
+          </a:p>
+          <a:p>
+            <a:r>
+              <a:rPr lang="en-US" sz="2400" dirty="0"/>
+              <a:t>Swap the elements at those indexes</a:t>
+            </a:r>
+          </a:p>
+          <a:p>
+            <a:r>
+              <a:rPr lang="en-US" sz="2400" dirty="0"/>
+              <a:t>Iterate</a:t>
+            </a:r>
+          </a:p>
+        </p:txBody>
+      </p:sp>
+      <p:sp>
+        <p:nvSpPr>
+          <p:cNvPr id="4" name="Content Placeholder 3">
+            <a:extLst>
+              <a:ext uri="{FF2B5EF4-FFF2-40B4-BE49-F238E27FC236}">
+                <a16:creationId xmlns:a16="http://schemas.microsoft.com/office/drawing/2014/main" id="{BF2CF5ED-DB19-FB50-8FFF-C4719D06DE61}"/>
+              </a:ext>
+            </a:extLst>
+          </p:cNvPr>
+          <p:cNvSpPr>
+            <a:spLocks noGrp="1"/>
+          </p:cNvSpPr>
+          <p:nvPr>
+            <p:ph sz="half" idx="2"/>
+          </p:nvPr>
+        </p:nvSpPr>
+        <p:spPr/>
+        <p:txBody>
+          <a:bodyPr/>
+          <a:lstStyle/>
+          <a:p>
+            <a:endParaRPr lang="en-US" sz="1600" dirty="0">
+              <a:latin typeface="MS PGothic" panose="020B0600070205080204" pitchFamily="34" charset="-128"/>
+              <a:ea typeface="MS PGothic" panose="020B0600070205080204" pitchFamily="34" charset="-128"/>
+            </a:endParaRPr>
+          </a:p>
+        </p:txBody>
+      </p:sp>
+    </p:spTree>
+    <p:extLst>
+      <p:ext uri="{BB962C8B-B14F-4D97-AF65-F5344CB8AC3E}">
+        <p14:creationId xmlns:p14="http://schemas.microsoft.com/office/powerpoint/2010/main" val="2997560442"/>
+      </p:ext>
+    </p:extLst>
+  </p:cSld>
+  <p:clrMapOvr>
+    <a:masterClrMapping/>
+  </p:clrMapOvr>
+</p:sld>
+</file>
+
+<file path=ppt/slides/slide17.xml><?xml version="1.0" encoding="utf-8"?>
+<p:sld xmlns:a="http://schemas.openxmlformats.org/drawingml/2006/main" xmlns:r="http://schemas.openxmlformats.org/officeDocument/2006/relationships" xmlns:p="http://schemas.openxmlformats.org/presentationml/2006/main">
+  <p:cSld>
+    <p:spTree>
+      <p:nvGrpSpPr>
+        <p:cNvPr id="1" name=""/>
+        <p:cNvGrpSpPr/>
+        <p:nvPr/>
+      </p:nvGrpSpPr>
+      <p:grpSpPr>
+        <a:xfrm>
+          <a:off x="0" y="0"/>
+          <a:ext cx="0" cy="0"/>
+          <a:chOff x="0" y="0"/>
+          <a:chExt cx="0" cy="0"/>
+        </a:xfrm>
+      </p:grpSpPr>
+      <p:sp>
+        <p:nvSpPr>
+          <p:cNvPr id="2" name="Title 1">
+            <a:extLst>
+              <a:ext uri="{FF2B5EF4-FFF2-40B4-BE49-F238E27FC236}">
+                <a16:creationId xmlns:a16="http://schemas.microsoft.com/office/drawing/2014/main" id="{5D2A67E4-1D1B-A445-CD6D-7824A6503FFE}"/>
+              </a:ext>
+            </a:extLst>
+          </p:cNvPr>
+          <p:cNvSpPr>
+            <a:spLocks noGrp="1"/>
+          </p:cNvSpPr>
+          <p:nvPr>
+            <p:ph type="title"/>
+          </p:nvPr>
+        </p:nvSpPr>
+        <p:spPr/>
+        <p:txBody>
+          <a:bodyPr/>
+          <a:lstStyle/>
+          <a:p>
+            <a:r>
+              <a:rPr lang="en-US" dirty="0"/>
               <a:t>Reverse Vowels Only</a:t>
             </a:r>
           </a:p>
@@ -8009,7 +10040,7 @@
         </p:blipFill>
         <p:spPr>
           <a:xfrm rot="13311686">
-            <a:off x="1508387" y="2252562"/>
+            <a:off x="1513211" y="2293355"/>
             <a:ext cx="629944" cy="629944"/>
           </a:xfrm>
           <a:prstGeom prst="rect">
@@ -8048,7 +10079,7 @@
         </p:blipFill>
         <p:spPr>
           <a:xfrm rot="13311686">
-            <a:off x="6349446" y="2273102"/>
+            <a:off x="6469202" y="2216215"/>
             <a:ext cx="629944" cy="629944"/>
           </a:xfrm>
           <a:prstGeom prst="rect">
@@ -8069,7 +10100,7 @@
 </p:sld>
 </file>
 
-<file path=ppt/slides/slide16.xml><?xml version="1.0" encoding="utf-8"?>
+<file path=ppt/slides/slide18.xml><?xml version="1.0" encoding="utf-8"?>
 <p:sld xmlns:a="http://schemas.openxmlformats.org/drawingml/2006/main" xmlns:r="http://schemas.openxmlformats.org/officeDocument/2006/relationships" xmlns:p="http://schemas.openxmlformats.org/presentationml/2006/main">
   <p:cSld>
     <p:bg>
@@ -11453,7 +13484,7 @@
 </p:sld>
 </file>
 
-<file path=ppt/slides/slide17.xml><?xml version="1.0" encoding="utf-8"?>
+<file path=ppt/slides/slide19.xml><?xml version="1.0" encoding="utf-8"?>
 <p:sld xmlns:a="http://schemas.openxmlformats.org/drawingml/2006/main" xmlns:r="http://schemas.openxmlformats.org/officeDocument/2006/relationships" xmlns:p="http://schemas.openxmlformats.org/presentationml/2006/main">
   <p:cSld>
     <p:spTree>
@@ -11472,10 +13503,10 @@
       </p:grpSpPr>
       <p:sp>
         <p:nvSpPr>
-          <p:cNvPr id="2" name="Title 1">
-            <a:extLst>
-              <a:ext uri="{FF2B5EF4-FFF2-40B4-BE49-F238E27FC236}">
-                <a16:creationId xmlns:a16="http://schemas.microsoft.com/office/drawing/2014/main" id="{659FFDCD-4905-664C-BF76-CB3580FBC996}"/>
+          <p:cNvPr id="4" name="Title 3">
+            <a:extLst>
+              <a:ext uri="{FF2B5EF4-FFF2-40B4-BE49-F238E27FC236}">
+                <a16:creationId xmlns:a16="http://schemas.microsoft.com/office/drawing/2014/main" id="{58F94E21-C20A-014A-50B6-5B63E7DE3C28}"/>
               </a:ext>
             </a:extLst>
           </p:cNvPr>
@@ -11493,17 +13524,17 @@
           <a:p>
             <a:r>
               <a:rPr lang="en-US" dirty="0"/>
-              <a:t>Partition elements</a:t>
-            </a:r>
-          </a:p>
-        </p:txBody>
-      </p:sp>
-      <p:sp>
-        <p:nvSpPr>
-          <p:cNvPr id="3" name="Content Placeholder 2">
-            <a:extLst>
-              <a:ext uri="{FF2B5EF4-FFF2-40B4-BE49-F238E27FC236}">
-                <a16:creationId xmlns:a16="http://schemas.microsoft.com/office/drawing/2014/main" id="{AD52673E-A15E-5D52-BFEB-60A3C97FF1D0}"/>
+              <a:t>Keeping a Tally </a:t>
+            </a:r>
+          </a:p>
+        </p:txBody>
+      </p:sp>
+      <p:sp>
+        <p:nvSpPr>
+          <p:cNvPr id="5" name="Content Placeholder 4">
+            <a:extLst>
+              <a:ext uri="{FF2B5EF4-FFF2-40B4-BE49-F238E27FC236}">
+                <a16:creationId xmlns:a16="http://schemas.microsoft.com/office/drawing/2014/main" id="{37CFB7AE-5122-47E7-B57F-4879FDC63B6B}"/>
               </a:ext>
             </a:extLst>
           </p:cNvPr>
@@ -11520,24 +13551,28 @@
           <a:lstStyle/>
           <a:p>
             <a:r>
-              <a:rPr lang="en-US" dirty="0"/>
-              <a:t>Swaps position of elements in a linear DS</a:t>
-            </a:r>
-          </a:p>
-          <a:p>
-            <a:r>
-              <a:rPr lang="en-US" dirty="0"/>
-              <a:t>Part of many (most?) solutions</a:t>
-            </a:r>
-          </a:p>
-        </p:txBody>
-      </p:sp>
-      <p:sp>
-        <p:nvSpPr>
-          <p:cNvPr id="4" name="Content Placeholder 3">
-            <a:extLst>
-              <a:ext uri="{FF2B5EF4-FFF2-40B4-BE49-F238E27FC236}">
-                <a16:creationId xmlns:a16="http://schemas.microsoft.com/office/drawing/2014/main" id="{BF2CF5ED-DB19-FB50-8FFF-C4719D06DE61}"/>
+              <a:rPr lang="en-US" sz="2400" dirty="0"/>
+              <a:t>Keep a count of each of several different types of items</a:t>
+            </a:r>
+            <a:br>
+              <a:rPr lang="en-US" sz="2400" dirty="0"/>
+            </a:br>
+            <a:endParaRPr lang="en-US" sz="2400" dirty="0"/>
+          </a:p>
+          <a:p>
+            <a:r>
+              <a:rPr lang="en-US" sz="2400" dirty="0"/>
+              <a:t>E.g. count letter occurrences to check for anagrams, Find missing number, </a:t>
+            </a:r>
+          </a:p>
+        </p:txBody>
+      </p:sp>
+      <p:sp>
+        <p:nvSpPr>
+          <p:cNvPr id="6" name="Content Placeholder 5">
+            <a:extLst>
+              <a:ext uri="{FF2B5EF4-FFF2-40B4-BE49-F238E27FC236}">
+                <a16:creationId xmlns:a16="http://schemas.microsoft.com/office/drawing/2014/main" id="{A8E9DD04-4F54-6FA7-E286-1E5C56057017}"/>
               </a:ext>
             </a:extLst>
           </p:cNvPr>
@@ -11554,65 +13589,20 @@
           <a:lstStyle/>
           <a:p>
             <a:r>
-              <a:rPr lang="en-US" sz="1600" dirty="0">
-                <a:latin typeface="MS PGothic" panose="020B0600070205080204" pitchFamily="34" charset="-128"/>
-                <a:ea typeface="MS PGothic" panose="020B0600070205080204" pitchFamily="34" charset="-128"/>
-              </a:rPr>
-              <a:t>element1</a:t>
-            </a:r>
-          </a:p>
-          <a:p>
-            <a:r>
-              <a:rPr lang="en-US" sz="1600" dirty="0">
-                <a:latin typeface="MS PGothic" panose="020B0600070205080204" pitchFamily="34" charset="-128"/>
-                <a:ea typeface="MS PGothic" panose="020B0600070205080204" pitchFamily="34" charset="-128"/>
-              </a:rPr>
-              <a:t>element2</a:t>
-            </a:r>
-          </a:p>
-          <a:p>
-            <a:endParaRPr lang="en-US" sz="1600" dirty="0">
-              <a:latin typeface="MS PGothic" panose="020B0600070205080204" pitchFamily="34" charset="-128"/>
-              <a:ea typeface="MS PGothic" panose="020B0600070205080204" pitchFamily="34" charset="-128"/>
-            </a:endParaRPr>
-          </a:p>
-          <a:p>
-            <a:pPr marL="514350" indent="-514350">
-              <a:buFont typeface="+mj-lt"/>
-              <a:buAutoNum type="arabicPeriod"/>
-            </a:pPr>
-            <a:r>
-              <a:rPr lang="en-US" sz="1600" dirty="0">
-                <a:latin typeface="MS PGothic" panose="020B0600070205080204" pitchFamily="34" charset="-128"/>
-                <a:ea typeface="MS PGothic" panose="020B0600070205080204" pitchFamily="34" charset="-128"/>
-              </a:rPr>
-              <a:t>temp = element1</a:t>
-            </a:r>
-          </a:p>
-          <a:p>
-            <a:pPr marL="514350" indent="-514350">
-              <a:buFont typeface="+mj-lt"/>
-              <a:buAutoNum type="arabicPeriod"/>
-            </a:pPr>
-            <a:r>
-              <a:rPr lang="en-US" sz="1600" dirty="0">
-                <a:latin typeface="MS PGothic" panose="020B0600070205080204" pitchFamily="34" charset="-128"/>
-                <a:ea typeface="MS PGothic" panose="020B0600070205080204" pitchFamily="34" charset="-128"/>
-              </a:rPr>
-              <a:t>element1  = element2</a:t>
-            </a:r>
-          </a:p>
-          <a:p>
-            <a:pPr marL="514350" indent="-514350">
-              <a:buFont typeface="+mj-lt"/>
-              <a:buAutoNum type="arabicPeriod"/>
-            </a:pPr>
-            <a:r>
-              <a:rPr lang="en-US" sz="1600" dirty="0">
-                <a:latin typeface="MS PGothic" panose="020B0600070205080204" pitchFamily="34" charset="-128"/>
-                <a:ea typeface="MS PGothic" panose="020B0600070205080204" pitchFamily="34" charset="-128"/>
-              </a:rPr>
-              <a:t>element2 = temp</a:t>
+              <a:rPr lang="en-US" sz="2400" dirty="0"/>
+              <a:t>Create a dictionary with item being tallied as Key</a:t>
+            </a:r>
+          </a:p>
+          <a:p>
+            <a:r>
+              <a:rPr lang="en-US" sz="2400" dirty="0"/>
+              <a:t>If new key item, add with Value = 1</a:t>
+            </a:r>
+          </a:p>
+          <a:p>
+            <a:r>
+              <a:rPr lang="en-US" sz="2400" dirty="0"/>
+              <a:t>If key already in dictionary, increment the Value</a:t>
             </a:r>
           </a:p>
         </p:txBody>
@@ -11620,7 +13610,7 @@
     </p:spTree>
     <p:extLst>
       <p:ext uri="{BB962C8B-B14F-4D97-AF65-F5344CB8AC3E}">
-        <p14:creationId xmlns:p14="http://schemas.microsoft.com/office/powerpoint/2010/main" val="402289927"/>
+        <p14:creationId xmlns:p14="http://schemas.microsoft.com/office/powerpoint/2010/main" val="2013389227"/>
       </p:ext>
     </p:extLst>
   </p:cSld>
@@ -11630,7 +13620,7 @@
 </p:sld>
 </file>
 
-<file path=ppt/slides/slide18.xml><?xml version="1.0" encoding="utf-8"?>
+<file path=ppt/slides/slide2.xml><?xml version="1.0" encoding="utf-8"?>
 <p:sld xmlns:a="http://schemas.openxmlformats.org/drawingml/2006/main" xmlns:r="http://schemas.openxmlformats.org/officeDocument/2006/relationships" xmlns:p="http://schemas.openxmlformats.org/presentationml/2006/main">
   <p:cSld>
     <p:spTree>
@@ -11652,7 +13642,7 @@
           <p:cNvPr id="2" name="Title 1">
             <a:extLst>
               <a:ext uri="{FF2B5EF4-FFF2-40B4-BE49-F238E27FC236}">
-                <a16:creationId xmlns:a16="http://schemas.microsoft.com/office/drawing/2014/main" id="{659FFDCD-4905-664C-BF76-CB3580FBC996}"/>
+                <a16:creationId xmlns:a16="http://schemas.microsoft.com/office/drawing/2014/main" id="{C62A0820-4650-E0F8-8FA3-40BD926980CE}"/>
               </a:ext>
             </a:extLst>
           </p:cNvPr>
@@ -11670,7 +13660,140 @@
           <a:p>
             <a:r>
               <a:rPr lang="en-US" dirty="0"/>
-              <a:t>Node</a:t>
+              <a:t>Program Structure</a:t>
+            </a:r>
+          </a:p>
+        </p:txBody>
+      </p:sp>
+      <p:sp>
+        <p:nvSpPr>
+          <p:cNvPr id="3" name="Content Placeholder 2">
+            <a:extLst>
+              <a:ext uri="{FF2B5EF4-FFF2-40B4-BE49-F238E27FC236}">
+                <a16:creationId xmlns:a16="http://schemas.microsoft.com/office/drawing/2014/main" id="{16C2192D-530B-2D7B-25F8-789B9C7B742B}"/>
+              </a:ext>
+            </a:extLst>
+          </p:cNvPr>
+          <p:cNvSpPr>
+            <a:spLocks noGrp="1"/>
+          </p:cNvSpPr>
+          <p:nvPr>
+            <p:ph idx="1"/>
+          </p:nvPr>
+        </p:nvSpPr>
+        <p:spPr/>
+        <p:txBody>
+          <a:bodyPr/>
+          <a:lstStyle/>
+          <a:p>
+            <a:r>
+              <a:rPr lang="en-US" dirty="0"/>
+              <a:t>Usually a Console App</a:t>
+            </a:r>
+          </a:p>
+          <a:p>
+            <a:pPr lvl="1"/>
+            <a:r>
+              <a:rPr lang="en-US" dirty="0"/>
+              <a:t>Look at problem statement for clues</a:t>
+            </a:r>
+            <a:br>
+              <a:rPr lang="en-US" dirty="0"/>
+            </a:br>
+            <a:endParaRPr lang="en-US" dirty="0"/>
+          </a:p>
+          <a:p>
+            <a:r>
+              <a:rPr lang="en-US" dirty="0"/>
+              <a:t>Look for clues about required classes</a:t>
+            </a:r>
+            <a:br>
+              <a:rPr lang="en-US" dirty="0"/>
+            </a:br>
+            <a:endParaRPr lang="en-US" dirty="0"/>
+          </a:p>
+          <a:p>
+            <a:r>
+              <a:rPr lang="en-US" dirty="0"/>
+              <a:t>Look for clues about required Methods</a:t>
+            </a:r>
+            <a:br>
+              <a:rPr lang="en-US" dirty="0"/>
+            </a:br>
+            <a:endParaRPr lang="en-US" dirty="0"/>
+          </a:p>
+          <a:p>
+            <a:r>
+              <a:rPr lang="en-US" dirty="0"/>
+              <a:t>If Method is not specified, use them to simplify understanding of code</a:t>
+            </a:r>
+          </a:p>
+          <a:p>
+            <a:pPr lvl="1"/>
+            <a:r>
+              <a:rPr lang="en-US" dirty="0"/>
+              <a:t>Use meaningful names</a:t>
+            </a:r>
+          </a:p>
+          <a:p>
+            <a:endParaRPr lang="en-US" dirty="0"/>
+          </a:p>
+        </p:txBody>
+      </p:sp>
+    </p:spTree>
+    <p:extLst>
+      <p:ext uri="{BB962C8B-B14F-4D97-AF65-F5344CB8AC3E}">
+        <p14:creationId xmlns:p14="http://schemas.microsoft.com/office/powerpoint/2010/main" val="3353650477"/>
+      </p:ext>
+    </p:extLst>
+  </p:cSld>
+  <p:clrMapOvr>
+    <a:masterClrMapping/>
+  </p:clrMapOvr>
+</p:sld>
+</file>
+
+<file path=ppt/slides/slide20.xml><?xml version="1.0" encoding="utf-8"?>
+<p:sld xmlns:a="http://schemas.openxmlformats.org/drawingml/2006/main" xmlns:r="http://schemas.openxmlformats.org/officeDocument/2006/relationships" xmlns:p="http://schemas.openxmlformats.org/presentationml/2006/main">
+  <p:cSld>
+    <p:spTree>
+      <p:nvGrpSpPr>
+        <p:cNvPr id="1" name=""/>
+        <p:cNvGrpSpPr/>
+        <p:nvPr/>
+      </p:nvGrpSpPr>
+      <p:grpSpPr>
+        <a:xfrm>
+          <a:off x="0" y="0"/>
+          <a:ext cx="0" cy="0"/>
+          <a:chOff x="0" y="0"/>
+          <a:chExt cx="0" cy="0"/>
+        </a:xfrm>
+      </p:grpSpPr>
+      <p:sp>
+        <p:nvSpPr>
+          <p:cNvPr id="2" name="Title 1">
+            <a:extLst>
+              <a:ext uri="{FF2B5EF4-FFF2-40B4-BE49-F238E27FC236}">
+                <a16:creationId xmlns:a16="http://schemas.microsoft.com/office/drawing/2014/main" id="{659FFDCD-4905-664C-BF76-CB3580FBC996}"/>
+              </a:ext>
+            </a:extLst>
+          </p:cNvPr>
+          <p:cNvSpPr>
+            <a:spLocks noGrp="1"/>
+          </p:cNvSpPr>
+          <p:nvPr>
+            <p:ph type="title"/>
+          </p:nvPr>
+        </p:nvSpPr>
+        <p:spPr/>
+        <p:txBody>
+          <a:bodyPr/>
+          <a:lstStyle/>
+          <a:p>
+            <a:r>
+              <a:rPr lang="en-US" dirty="0"/>
+              <a:t>Partition array</a:t>
             </a:r>
           </a:p>
         </p:txBody>
@@ -11697,14 +13820,26 @@
           <a:lstStyle/>
           <a:p>
             <a:r>
-              <a:rPr lang="en-US" dirty="0"/>
-              <a:t>Swaps position of elements in a linear DS</a:t>
-            </a:r>
-          </a:p>
-          <a:p>
-            <a:r>
-              <a:rPr lang="en-US" dirty="0"/>
-              <a:t>Part of many (most?) solutions</a:t>
+              <a:rPr lang="en-US" sz="2400" dirty="0"/>
+              <a:t>Break up array into smaller sub-arrays</a:t>
+            </a:r>
+          </a:p>
+          <a:p>
+            <a:r>
+              <a:rPr lang="en-US" sz="2400" dirty="0"/>
+              <a:t>Apply this iteratively or recursively until the sub-arrays cannot be made smaller</a:t>
+            </a:r>
+          </a:p>
+          <a:p>
+            <a:r>
+              <a:rPr lang="en-US" sz="2400" dirty="0"/>
+              <a:t>Often part of Sort method</a:t>
+            </a:r>
+          </a:p>
+          <a:p>
+            <a:r>
+              <a:rPr lang="en-US" sz="2400" dirty="0"/>
+              <a:t>Basis of Divide and Conquer</a:t>
             </a:r>
           </a:p>
         </p:txBody>
@@ -11735,16 +13870,221 @@
                 <a:latin typeface="MS PGothic" panose="020B0600070205080204" pitchFamily="34" charset="-128"/>
                 <a:ea typeface="MS PGothic" panose="020B0600070205080204" pitchFamily="34" charset="-128"/>
               </a:rPr>
-              <a:t>element1</a:t>
-            </a:r>
-          </a:p>
+              <a:t>Instead of incrementing a counter in loop, divide a partition length</a:t>
+            </a:r>
+          </a:p>
+        </p:txBody>
+      </p:sp>
+    </p:spTree>
+    <p:extLst>
+      <p:ext uri="{BB962C8B-B14F-4D97-AF65-F5344CB8AC3E}">
+        <p14:creationId xmlns:p14="http://schemas.microsoft.com/office/powerpoint/2010/main" val="402289927"/>
+      </p:ext>
+    </p:extLst>
+  </p:cSld>
+  <p:clrMapOvr>
+    <a:masterClrMapping/>
+  </p:clrMapOvr>
+</p:sld>
+</file>
+
+<file path=ppt/slides/slide21.xml><?xml version="1.0" encoding="utf-8"?>
+<p:sld xmlns:a="http://schemas.openxmlformats.org/drawingml/2006/main" xmlns:r="http://schemas.openxmlformats.org/officeDocument/2006/relationships" xmlns:p="http://schemas.openxmlformats.org/presentationml/2006/main">
+  <p:cSld>
+    <p:spTree>
+      <p:nvGrpSpPr>
+        <p:cNvPr id="1" name=""/>
+        <p:cNvGrpSpPr/>
+        <p:nvPr/>
+      </p:nvGrpSpPr>
+      <p:grpSpPr>
+        <a:xfrm>
+          <a:off x="0" y="0"/>
+          <a:ext cx="0" cy="0"/>
+          <a:chOff x="0" y="0"/>
+          <a:chExt cx="0" cy="0"/>
+        </a:xfrm>
+      </p:grpSpPr>
+      <p:sp>
+        <p:nvSpPr>
+          <p:cNvPr id="2" name="Title 1">
+            <a:extLst>
+              <a:ext uri="{FF2B5EF4-FFF2-40B4-BE49-F238E27FC236}">
+                <a16:creationId xmlns:a16="http://schemas.microsoft.com/office/drawing/2014/main" id="{659FFDCD-4905-664C-BF76-CB3580FBC996}"/>
+              </a:ext>
+            </a:extLst>
+          </p:cNvPr>
+          <p:cNvSpPr>
+            <a:spLocks noGrp="1"/>
+          </p:cNvSpPr>
+          <p:nvPr>
+            <p:ph type="title"/>
+          </p:nvPr>
+        </p:nvSpPr>
+        <p:spPr/>
+        <p:txBody>
+          <a:bodyPr/>
+          <a:lstStyle/>
+          <a:p>
+            <a:r>
+              <a:rPr lang="en-US" dirty="0"/>
+              <a:t>Search</a:t>
+            </a:r>
+          </a:p>
+        </p:txBody>
+      </p:sp>
+      <p:sp>
+        <p:nvSpPr>
+          <p:cNvPr id="3" name="Content Placeholder 2">
+            <a:extLst>
+              <a:ext uri="{FF2B5EF4-FFF2-40B4-BE49-F238E27FC236}">
+                <a16:creationId xmlns:a16="http://schemas.microsoft.com/office/drawing/2014/main" id="{AD52673E-A15E-5D52-BFEB-60A3C97FF1D0}"/>
+              </a:ext>
+            </a:extLst>
+          </p:cNvPr>
+          <p:cNvSpPr>
+            <a:spLocks noGrp="1"/>
+          </p:cNvSpPr>
+          <p:nvPr>
+            <p:ph sz="half" idx="1"/>
+          </p:nvPr>
+        </p:nvSpPr>
+        <p:spPr/>
+        <p:txBody>
+          <a:bodyPr/>
+          <a:lstStyle/>
+          <a:p>
+            <a:r>
+              <a:rPr lang="en-US" sz="2400" dirty="0"/>
+              <a:t>Find an element that meets a </a:t>
+            </a:r>
+            <a:r>
+              <a:rPr lang="en-US" sz="2400" dirty="0">
+                <a:solidFill>
+                  <a:schemeClr val="accent6"/>
+                </a:solidFill>
+              </a:rPr>
+              <a:t>specified condition</a:t>
+            </a:r>
+          </a:p>
+          <a:p>
+            <a:r>
+              <a:rPr lang="en-US" sz="2400" dirty="0">
+                <a:solidFill>
+                  <a:schemeClr val="accent6"/>
+                </a:solidFill>
+              </a:rPr>
+              <a:t>Brute force – enumerate all elements and test condition (linear search)</a:t>
+            </a:r>
+          </a:p>
+          <a:p>
+            <a:r>
+              <a:rPr lang="en-US" sz="2400" dirty="0">
+                <a:solidFill>
+                  <a:schemeClr val="accent6"/>
+                </a:solidFill>
+              </a:rPr>
+              <a:t>All better search solutions involve pre-processing, usually sorting</a:t>
+            </a:r>
+          </a:p>
+          <a:p>
+            <a:r>
+              <a:rPr lang="en-US" sz="1600" dirty="0">
+                <a:hlinkClick r:id="rId2"/>
+              </a:rPr>
+              <a:t>Searching Algorithms – </a:t>
+            </a:r>
+            <a:r>
+              <a:rPr lang="en-US" sz="1600" dirty="0" err="1">
+                <a:hlinkClick r:id="rId2"/>
+              </a:rPr>
+              <a:t>GeeksforGeeks</a:t>
+            </a:r>
+            <a:endParaRPr lang="en-US" sz="2400" dirty="0">
+              <a:solidFill>
+                <a:schemeClr val="accent6"/>
+              </a:solidFill>
+            </a:endParaRPr>
+          </a:p>
+          <a:p>
+            <a:endParaRPr lang="en-US" sz="2400" dirty="0">
+              <a:solidFill>
+                <a:schemeClr val="accent6"/>
+              </a:solidFill>
+            </a:endParaRPr>
+          </a:p>
+        </p:txBody>
+      </p:sp>
+      <p:sp>
+        <p:nvSpPr>
+          <p:cNvPr id="4" name="Content Placeholder 3">
+            <a:extLst>
+              <a:ext uri="{FF2B5EF4-FFF2-40B4-BE49-F238E27FC236}">
+                <a16:creationId xmlns:a16="http://schemas.microsoft.com/office/drawing/2014/main" id="{BF2CF5ED-DB19-FB50-8FFF-C4719D06DE61}"/>
+              </a:ext>
+            </a:extLst>
+          </p:cNvPr>
+          <p:cNvSpPr>
+            <a:spLocks noGrp="1"/>
+          </p:cNvSpPr>
+          <p:nvPr>
+            <p:ph sz="half" idx="2"/>
+          </p:nvPr>
+        </p:nvSpPr>
+        <p:spPr/>
+        <p:txBody>
+          <a:bodyPr/>
+          <a:lstStyle/>
           <a:p>
             <a:r>
               <a:rPr lang="en-US" sz="1600" dirty="0">
                 <a:latin typeface="MS PGothic" panose="020B0600070205080204" pitchFamily="34" charset="-128"/>
                 <a:ea typeface="MS PGothic" panose="020B0600070205080204" pitchFamily="34" charset="-128"/>
               </a:rPr>
-              <a:t>element2</a:t>
+              <a:t>Linear search – </a:t>
+            </a:r>
+            <a:r>
+              <a:rPr lang="en-US" sz="1600" dirty="0">
+                <a:solidFill>
+                  <a:schemeClr val="accent6"/>
+                </a:solidFill>
+                <a:latin typeface="MS PGothic" panose="020B0600070205080204" pitchFamily="34" charset="-128"/>
+                <a:ea typeface="MS PGothic" panose="020B0600070205080204" pitchFamily="34" charset="-128"/>
+              </a:rPr>
+              <a:t>Enumerate</a:t>
+            </a:r>
+            <a:r>
+              <a:rPr lang="en-US" sz="1600" dirty="0">
+                <a:latin typeface="MS PGothic" panose="020B0600070205080204" pitchFamily="34" charset="-128"/>
+                <a:ea typeface="MS PGothic" panose="020B0600070205080204" pitchFamily="34" charset="-128"/>
+              </a:rPr>
+              <a:t> and Compare</a:t>
+            </a:r>
+          </a:p>
+          <a:p>
+            <a:r>
+              <a:rPr lang="en-US" sz="1600" dirty="0">
+                <a:latin typeface="MS PGothic" panose="020B0600070205080204" pitchFamily="34" charset="-128"/>
+                <a:ea typeface="MS PGothic" panose="020B0600070205080204" pitchFamily="34" charset="-128"/>
+              </a:rPr>
+              <a:t>Binary search – </a:t>
+            </a:r>
+            <a:r>
+              <a:rPr lang="en-US" sz="1600" dirty="0">
+                <a:solidFill>
+                  <a:schemeClr val="accent6"/>
+                </a:solidFill>
+                <a:latin typeface="MS PGothic" panose="020B0600070205080204" pitchFamily="34" charset="-128"/>
+                <a:ea typeface="MS PGothic" panose="020B0600070205080204" pitchFamily="34" charset="-128"/>
+              </a:rPr>
+              <a:t>Partition</a:t>
+            </a:r>
+            <a:r>
+              <a:rPr lang="en-US" sz="1600" dirty="0">
+                <a:latin typeface="MS PGothic" panose="020B0600070205080204" pitchFamily="34" charset="-128"/>
+                <a:ea typeface="MS PGothic" panose="020B0600070205080204" pitchFamily="34" charset="-128"/>
+              </a:rPr>
+              <a:t> iteratively</a:t>
             </a:r>
           </a:p>
           <a:p>
@@ -11753,43 +14093,704 @@
               <a:ea typeface="MS PGothic" panose="020B0600070205080204" pitchFamily="34" charset="-128"/>
             </a:endParaRPr>
           </a:p>
-          <a:p>
-            <a:pPr marL="514350" indent="-514350">
-              <a:buFont typeface="+mj-lt"/>
-              <a:buAutoNum type="arabicPeriod"/>
-            </a:pPr>
+        </p:txBody>
+      </p:sp>
+    </p:spTree>
+    <p:extLst>
+      <p:ext uri="{BB962C8B-B14F-4D97-AF65-F5344CB8AC3E}">
+        <p14:creationId xmlns:p14="http://schemas.microsoft.com/office/powerpoint/2010/main" val="2344194254"/>
+      </p:ext>
+    </p:extLst>
+  </p:cSld>
+  <p:clrMapOvr>
+    <a:masterClrMapping/>
+  </p:clrMapOvr>
+</p:sld>
+</file>
+
+<file path=ppt/slides/slide22.xml><?xml version="1.0" encoding="utf-8"?>
+<p:sld xmlns:a="http://schemas.openxmlformats.org/drawingml/2006/main" xmlns:r="http://schemas.openxmlformats.org/officeDocument/2006/relationships" xmlns:p="http://schemas.openxmlformats.org/presentationml/2006/main">
+  <p:cSld>
+    <p:spTree>
+      <p:nvGrpSpPr>
+        <p:cNvPr id="1" name=""/>
+        <p:cNvGrpSpPr/>
+        <p:nvPr/>
+      </p:nvGrpSpPr>
+      <p:grpSpPr>
+        <a:xfrm>
+          <a:off x="0" y="0"/>
+          <a:ext cx="0" cy="0"/>
+          <a:chOff x="0" y="0"/>
+          <a:chExt cx="0" cy="0"/>
+        </a:xfrm>
+      </p:grpSpPr>
+      <p:sp>
+        <p:nvSpPr>
+          <p:cNvPr id="2" name="Title 1">
+            <a:extLst>
+              <a:ext uri="{FF2B5EF4-FFF2-40B4-BE49-F238E27FC236}">
+                <a16:creationId xmlns:a16="http://schemas.microsoft.com/office/drawing/2014/main" id="{659FFDCD-4905-664C-BF76-CB3580FBC996}"/>
+              </a:ext>
+            </a:extLst>
+          </p:cNvPr>
+          <p:cNvSpPr>
+            <a:spLocks noGrp="1"/>
+          </p:cNvSpPr>
+          <p:nvPr>
+            <p:ph type="title"/>
+          </p:nvPr>
+        </p:nvSpPr>
+        <p:spPr/>
+        <p:txBody>
+          <a:bodyPr/>
+          <a:lstStyle/>
+          <a:p>
+            <a:r>
+              <a:rPr lang="en-US" dirty="0"/>
+              <a:t>Sort</a:t>
+            </a:r>
+          </a:p>
+        </p:txBody>
+      </p:sp>
+      <p:sp>
+        <p:nvSpPr>
+          <p:cNvPr id="3" name="Content Placeholder 2">
+            <a:extLst>
+              <a:ext uri="{FF2B5EF4-FFF2-40B4-BE49-F238E27FC236}">
+                <a16:creationId xmlns:a16="http://schemas.microsoft.com/office/drawing/2014/main" id="{AD52673E-A15E-5D52-BFEB-60A3C97FF1D0}"/>
+              </a:ext>
+            </a:extLst>
+          </p:cNvPr>
+          <p:cNvSpPr>
+            <a:spLocks noGrp="1"/>
+          </p:cNvSpPr>
+          <p:nvPr>
+            <p:ph sz="half" idx="1"/>
+          </p:nvPr>
+        </p:nvSpPr>
+        <p:spPr/>
+        <p:txBody>
+          <a:bodyPr/>
+          <a:lstStyle/>
+          <a:p>
+            <a:r>
+              <a:rPr lang="en-US" sz="2400" dirty="0"/>
+              <a:t>Order elements based on some property (Key)</a:t>
+            </a:r>
+          </a:p>
+        </p:txBody>
+      </p:sp>
+      <p:sp>
+        <p:nvSpPr>
+          <p:cNvPr id="4" name="Content Placeholder 3">
+            <a:extLst>
+              <a:ext uri="{FF2B5EF4-FFF2-40B4-BE49-F238E27FC236}">
+                <a16:creationId xmlns:a16="http://schemas.microsoft.com/office/drawing/2014/main" id="{BF2CF5ED-DB19-FB50-8FFF-C4719D06DE61}"/>
+              </a:ext>
+            </a:extLst>
+          </p:cNvPr>
+          <p:cNvSpPr>
+            <a:spLocks noGrp="1"/>
+          </p:cNvSpPr>
+          <p:nvPr>
+            <p:ph sz="half" idx="2"/>
+          </p:nvPr>
+        </p:nvSpPr>
+        <p:spPr/>
+        <p:txBody>
+          <a:bodyPr/>
+          <a:lstStyle/>
+          <a:p>
             <a:r>
               <a:rPr lang="en-US" sz="1600" dirty="0">
                 <a:latin typeface="MS PGothic" panose="020B0600070205080204" pitchFamily="34" charset="-128"/>
                 <a:ea typeface="MS PGothic" panose="020B0600070205080204" pitchFamily="34" charset="-128"/>
               </a:rPr>
-              <a:t>temp = element1</a:t>
-            </a:r>
-          </a:p>
-          <a:p>
-            <a:pPr marL="514350" indent="-514350">
-              <a:buFont typeface="+mj-lt"/>
-              <a:buAutoNum type="arabicPeriod"/>
-            </a:pPr>
+              <a:t>Selection sort – Compares all elements to move each one to correct position</a:t>
+            </a:r>
+          </a:p>
+          <a:p>
+            <a:endParaRPr lang="en-US" sz="1600" dirty="0">
+              <a:latin typeface="MS PGothic" panose="020B0600070205080204" pitchFamily="34" charset="-128"/>
+              <a:ea typeface="MS PGothic" panose="020B0600070205080204" pitchFamily="34" charset="-128"/>
+            </a:endParaRPr>
+          </a:p>
+        </p:txBody>
+      </p:sp>
+    </p:spTree>
+    <p:extLst>
+      <p:ext uri="{BB962C8B-B14F-4D97-AF65-F5344CB8AC3E}">
+        <p14:creationId xmlns:p14="http://schemas.microsoft.com/office/powerpoint/2010/main" val="734505274"/>
+      </p:ext>
+    </p:extLst>
+  </p:cSld>
+  <p:clrMapOvr>
+    <a:masterClrMapping/>
+  </p:clrMapOvr>
+</p:sld>
+</file>
+
+<file path=ppt/slides/slide23.xml><?xml version="1.0" encoding="utf-8"?>
+<p:sld xmlns:a="http://schemas.openxmlformats.org/drawingml/2006/main" xmlns:r="http://schemas.openxmlformats.org/officeDocument/2006/relationships" xmlns:p="http://schemas.openxmlformats.org/presentationml/2006/main">
+  <p:cSld>
+    <p:spTree>
+      <p:nvGrpSpPr>
+        <p:cNvPr id="1" name=""/>
+        <p:cNvGrpSpPr/>
+        <p:nvPr/>
+      </p:nvGrpSpPr>
+      <p:grpSpPr>
+        <a:xfrm>
+          <a:off x="0" y="0"/>
+          <a:ext cx="0" cy="0"/>
+          <a:chOff x="0" y="0"/>
+          <a:chExt cx="0" cy="0"/>
+        </a:xfrm>
+      </p:grpSpPr>
+      <p:sp>
+        <p:nvSpPr>
+          <p:cNvPr id="2" name="Title 1">
+            <a:extLst>
+              <a:ext uri="{FF2B5EF4-FFF2-40B4-BE49-F238E27FC236}">
+                <a16:creationId xmlns:a16="http://schemas.microsoft.com/office/drawing/2014/main" id="{659FFDCD-4905-664C-BF76-CB3580FBC996}"/>
+              </a:ext>
+            </a:extLst>
+          </p:cNvPr>
+          <p:cNvSpPr>
+            <a:spLocks noGrp="1"/>
+          </p:cNvSpPr>
+          <p:nvPr>
+            <p:ph type="title"/>
+          </p:nvPr>
+        </p:nvSpPr>
+        <p:spPr/>
+        <p:txBody>
+          <a:bodyPr/>
+          <a:lstStyle/>
+          <a:p>
+            <a:r>
+              <a:rPr lang="en-US" dirty="0"/>
+              <a:t>Compare – the base operation for all searches and sorts</a:t>
+            </a:r>
+          </a:p>
+        </p:txBody>
+      </p:sp>
+      <p:sp>
+        <p:nvSpPr>
+          <p:cNvPr id="3" name="Content Placeholder 2">
+            <a:extLst>
+              <a:ext uri="{FF2B5EF4-FFF2-40B4-BE49-F238E27FC236}">
+                <a16:creationId xmlns:a16="http://schemas.microsoft.com/office/drawing/2014/main" id="{AD52673E-A15E-5D52-BFEB-60A3C97FF1D0}"/>
+              </a:ext>
+            </a:extLst>
+          </p:cNvPr>
+          <p:cNvSpPr>
+            <a:spLocks noGrp="1"/>
+          </p:cNvSpPr>
+          <p:nvPr>
+            <p:ph sz="half" idx="1"/>
+          </p:nvPr>
+        </p:nvSpPr>
+        <p:spPr/>
+        <p:txBody>
+          <a:bodyPr/>
+          <a:lstStyle/>
+          <a:p>
+            <a:r>
+              <a:rPr lang="en-US" sz="2400" dirty="0"/>
+              <a:t>All searches and sorts require that you be able to compare two elements and return the relative order</a:t>
+            </a:r>
+          </a:p>
+        </p:txBody>
+      </p:sp>
+      <p:sp>
+        <p:nvSpPr>
+          <p:cNvPr id="4" name="Content Placeholder 3">
+            <a:extLst>
+              <a:ext uri="{FF2B5EF4-FFF2-40B4-BE49-F238E27FC236}">
+                <a16:creationId xmlns:a16="http://schemas.microsoft.com/office/drawing/2014/main" id="{BF2CF5ED-DB19-FB50-8FFF-C4719D06DE61}"/>
+              </a:ext>
+            </a:extLst>
+          </p:cNvPr>
+          <p:cNvSpPr>
+            <a:spLocks noGrp="1"/>
+          </p:cNvSpPr>
+          <p:nvPr>
+            <p:ph sz="half" idx="2"/>
+          </p:nvPr>
+        </p:nvSpPr>
+        <p:spPr/>
+        <p:txBody>
+          <a:bodyPr/>
+          <a:lstStyle/>
+          <a:p>
             <a:r>
               <a:rPr lang="en-US" sz="1600" dirty="0">
                 <a:latin typeface="MS PGothic" panose="020B0600070205080204" pitchFamily="34" charset="-128"/>
                 <a:ea typeface="MS PGothic" panose="020B0600070205080204" pitchFamily="34" charset="-128"/>
               </a:rPr>
-              <a:t>element1  = element2</a:t>
-            </a:r>
-          </a:p>
-          <a:p>
-            <a:pPr marL="514350" indent="-514350">
-              <a:buFont typeface="+mj-lt"/>
-              <a:buAutoNum type="arabicPeriod"/>
-            </a:pPr>
-            <a:r>
+              <a:t>All data in a computer is binary (0’s and 1’s)</a:t>
+            </a:r>
+            <a:br>
               <a:rPr lang="en-US" sz="1600" dirty="0">
                 <a:latin typeface="MS PGothic" panose="020B0600070205080204" pitchFamily="34" charset="-128"/>
                 <a:ea typeface="MS PGothic" panose="020B0600070205080204" pitchFamily="34" charset="-128"/>
               </a:rPr>
-              <a:t>element2 = temp</a:t>
+            </a:br>
+            <a:br>
+              <a:rPr lang="en-US" sz="1600" dirty="0">
+                <a:latin typeface="MS PGothic" panose="020B0600070205080204" pitchFamily="34" charset="-128"/>
+                <a:ea typeface="MS PGothic" panose="020B0600070205080204" pitchFamily="34" charset="-128"/>
+              </a:rPr>
+            </a:br>
+            <a:r>
+              <a:rPr lang="en-US" sz="1600" dirty="0">
+                <a:latin typeface="MS PGothic" panose="020B0600070205080204" pitchFamily="34" charset="-128"/>
+                <a:ea typeface="MS PGothic" panose="020B0600070205080204" pitchFamily="34" charset="-128"/>
+              </a:rPr>
+              <a:t>register1</a:t>
+            </a:r>
+            <a:br>
+              <a:rPr lang="en-US" sz="1600" dirty="0">
+                <a:latin typeface="MS PGothic" panose="020B0600070205080204" pitchFamily="34" charset="-128"/>
+                <a:ea typeface="MS PGothic" panose="020B0600070205080204" pitchFamily="34" charset="-128"/>
+              </a:rPr>
+            </a:br>
+            <a:r>
+              <a:rPr lang="en-US" sz="1600" dirty="0">
+                <a:latin typeface="MS PGothic" panose="020B0600070205080204" pitchFamily="34" charset="-128"/>
+                <a:ea typeface="MS PGothic" panose="020B0600070205080204" pitchFamily="34" charset="-128"/>
+              </a:rPr>
+              <a:t>0101100100011100011000011</a:t>
+            </a:r>
+            <a:br>
+              <a:rPr lang="en-US" sz="1600" dirty="0">
+                <a:latin typeface="MS PGothic" panose="020B0600070205080204" pitchFamily="34" charset="-128"/>
+                <a:ea typeface="MS PGothic" panose="020B0600070205080204" pitchFamily="34" charset="-128"/>
+              </a:rPr>
+            </a:br>
+            <a:br>
+              <a:rPr lang="en-US" sz="1600" dirty="0">
+                <a:latin typeface="MS PGothic" panose="020B0600070205080204" pitchFamily="34" charset="-128"/>
+                <a:ea typeface="MS PGothic" panose="020B0600070205080204" pitchFamily="34" charset="-128"/>
+              </a:rPr>
+            </a:br>
+            <a:r>
+              <a:rPr lang="en-US" sz="1600" dirty="0">
+                <a:latin typeface="MS PGothic" panose="020B0600070205080204" pitchFamily="34" charset="-128"/>
+                <a:ea typeface="MS PGothic" panose="020B0600070205080204" pitchFamily="34" charset="-128"/>
+              </a:rPr>
+              <a:t>register2</a:t>
+            </a:r>
+            <a:br>
+              <a:rPr lang="en-US" sz="1600" dirty="0">
+                <a:latin typeface="MS PGothic" panose="020B0600070205080204" pitchFamily="34" charset="-128"/>
+                <a:ea typeface="MS PGothic" panose="020B0600070205080204" pitchFamily="34" charset="-128"/>
+              </a:rPr>
+            </a:br>
+            <a:r>
+              <a:rPr lang="en-US" sz="1600" dirty="0">
+                <a:latin typeface="MS PGothic" panose="020B0600070205080204" pitchFamily="34" charset="-128"/>
+                <a:ea typeface="MS PGothic" panose="020B0600070205080204" pitchFamily="34" charset="-128"/>
+              </a:rPr>
+              <a:t>0101100100011100011000011</a:t>
+            </a:r>
+            <a:br>
+              <a:rPr lang="en-US" sz="1600" dirty="0">
+                <a:latin typeface="MS PGothic" panose="020B0600070205080204" pitchFamily="34" charset="-128"/>
+                <a:ea typeface="MS PGothic" panose="020B0600070205080204" pitchFamily="34" charset="-128"/>
+              </a:rPr>
+            </a:br>
+            <a:br>
+              <a:rPr lang="en-US" sz="1600" dirty="0">
+                <a:latin typeface="MS PGothic" panose="020B0600070205080204" pitchFamily="34" charset="-128"/>
+                <a:ea typeface="MS PGothic" panose="020B0600070205080204" pitchFamily="34" charset="-128"/>
+              </a:rPr>
+            </a:br>
+            <a:r>
+              <a:rPr lang="en-US" sz="1600" dirty="0">
+                <a:latin typeface="MS PGothic" panose="020B0600070205080204" pitchFamily="34" charset="-128"/>
+                <a:ea typeface="MS PGothic" panose="020B0600070205080204" pitchFamily="34" charset="-128"/>
+              </a:rPr>
+              <a:t>AND</a:t>
+            </a:r>
+            <a:br>
+              <a:rPr lang="en-US" sz="1600" dirty="0">
+                <a:latin typeface="MS PGothic" panose="020B0600070205080204" pitchFamily="34" charset="-128"/>
+                <a:ea typeface="MS PGothic" panose="020B0600070205080204" pitchFamily="34" charset="-128"/>
+              </a:rPr>
+            </a:br>
+            <a:br>
+              <a:rPr lang="en-US" sz="1600" dirty="0">
+                <a:latin typeface="MS PGothic" panose="020B0600070205080204" pitchFamily="34" charset="-128"/>
+                <a:ea typeface="MS PGothic" panose="020B0600070205080204" pitchFamily="34" charset="-128"/>
+              </a:rPr>
+            </a:br>
+            <a:r>
+              <a:rPr lang="en-US" sz="1600" dirty="0">
+                <a:latin typeface="MS PGothic" panose="020B0600070205080204" pitchFamily="34" charset="-128"/>
+                <a:ea typeface="MS PGothic" panose="020B0600070205080204" pitchFamily="34" charset="-128"/>
+              </a:rPr>
+              <a:t>1111111111111111111111111</a:t>
+            </a:r>
+            <a:br>
+              <a:rPr lang="en-US" sz="1600" dirty="0">
+                <a:latin typeface="MS PGothic" panose="020B0600070205080204" pitchFamily="34" charset="-128"/>
+                <a:ea typeface="MS PGothic" panose="020B0600070205080204" pitchFamily="34" charset="-128"/>
+              </a:rPr>
+            </a:br>
+            <a:endParaRPr lang="en-US" sz="1600" dirty="0">
+              <a:latin typeface="MS PGothic" panose="020B0600070205080204" pitchFamily="34" charset="-128"/>
+              <a:ea typeface="MS PGothic" panose="020B0600070205080204" pitchFamily="34" charset="-128"/>
+            </a:endParaRPr>
+          </a:p>
+          <a:p>
+            <a:endParaRPr lang="en-US" sz="1600" dirty="0">
+              <a:latin typeface="MS PGothic" panose="020B0600070205080204" pitchFamily="34" charset="-128"/>
+              <a:ea typeface="MS PGothic" panose="020B0600070205080204" pitchFamily="34" charset="-128"/>
+            </a:endParaRPr>
+          </a:p>
+        </p:txBody>
+      </p:sp>
+    </p:spTree>
+    <p:extLst>
+      <p:ext uri="{BB962C8B-B14F-4D97-AF65-F5344CB8AC3E}">
+        <p14:creationId xmlns:p14="http://schemas.microsoft.com/office/powerpoint/2010/main" val="3924890456"/>
+      </p:ext>
+    </p:extLst>
+  </p:cSld>
+  <p:clrMapOvr>
+    <a:masterClrMapping/>
+  </p:clrMapOvr>
+</p:sld>
+</file>
+
+<file path=ppt/slides/slide24.xml><?xml version="1.0" encoding="utf-8"?>
+<p:sld xmlns:a="http://schemas.openxmlformats.org/drawingml/2006/main" xmlns:r="http://schemas.openxmlformats.org/officeDocument/2006/relationships" xmlns:p="http://schemas.openxmlformats.org/presentationml/2006/main">
+  <p:cSld>
+    <p:spTree>
+      <p:nvGrpSpPr>
+        <p:cNvPr id="1" name=""/>
+        <p:cNvGrpSpPr/>
+        <p:nvPr/>
+      </p:nvGrpSpPr>
+      <p:grpSpPr>
+        <a:xfrm>
+          <a:off x="0" y="0"/>
+          <a:ext cx="0" cy="0"/>
+          <a:chOff x="0" y="0"/>
+          <a:chExt cx="0" cy="0"/>
+        </a:xfrm>
+      </p:grpSpPr>
+      <p:sp>
+        <p:nvSpPr>
+          <p:cNvPr id="2" name="Title 1">
+            <a:extLst>
+              <a:ext uri="{FF2B5EF4-FFF2-40B4-BE49-F238E27FC236}">
+                <a16:creationId xmlns:a16="http://schemas.microsoft.com/office/drawing/2014/main" id="{3BA70AF5-A94F-DB28-0EF8-8DDBE4283CB0}"/>
+              </a:ext>
+            </a:extLst>
+          </p:cNvPr>
+          <p:cNvSpPr>
+            <a:spLocks noGrp="1"/>
+          </p:cNvSpPr>
+          <p:nvPr>
+            <p:ph type="title"/>
+          </p:nvPr>
+        </p:nvSpPr>
+        <p:spPr/>
+        <p:txBody>
+          <a:bodyPr/>
+          <a:lstStyle/>
+          <a:p>
+            <a:endParaRPr lang="en-US"/>
+          </a:p>
+        </p:txBody>
+      </p:sp>
+      <p:sp>
+        <p:nvSpPr>
+          <p:cNvPr id="3" name="Content Placeholder 2">
+            <a:extLst>
+              <a:ext uri="{FF2B5EF4-FFF2-40B4-BE49-F238E27FC236}">
+                <a16:creationId xmlns:a16="http://schemas.microsoft.com/office/drawing/2014/main" id="{761B9547-4D67-F500-8D1A-A50407262281}"/>
+              </a:ext>
+            </a:extLst>
+          </p:cNvPr>
+          <p:cNvSpPr>
+            <a:spLocks noGrp="1"/>
+          </p:cNvSpPr>
+          <p:nvPr>
+            <p:ph sz="half" idx="1"/>
+          </p:nvPr>
+        </p:nvSpPr>
+        <p:spPr/>
+        <p:txBody>
+          <a:bodyPr/>
+          <a:lstStyle/>
+          <a:p>
+            <a:endParaRPr lang="en-US"/>
+          </a:p>
+        </p:txBody>
+      </p:sp>
+      <p:sp>
+        <p:nvSpPr>
+          <p:cNvPr id="4" name="Content Placeholder 3">
+            <a:extLst>
+              <a:ext uri="{FF2B5EF4-FFF2-40B4-BE49-F238E27FC236}">
+                <a16:creationId xmlns:a16="http://schemas.microsoft.com/office/drawing/2014/main" id="{9FF04C01-DAB5-3440-F4E0-84CD03BDFE57}"/>
+              </a:ext>
+            </a:extLst>
+          </p:cNvPr>
+          <p:cNvSpPr>
+            <a:spLocks noGrp="1"/>
+          </p:cNvSpPr>
+          <p:nvPr>
+            <p:ph sz="half" idx="2"/>
+          </p:nvPr>
+        </p:nvSpPr>
+        <p:spPr/>
+        <p:txBody>
+          <a:bodyPr/>
+          <a:lstStyle/>
+          <a:p>
+            <a:endParaRPr lang="en-US"/>
+          </a:p>
+        </p:txBody>
+      </p:sp>
+      <p:pic>
+        <p:nvPicPr>
+          <p:cNvPr id="2050" name="Picture 2" descr="Wooden Blocks (mixed size) pine â CAN">
+            <a:extLst>
+              <a:ext uri="{FF2B5EF4-FFF2-40B4-BE49-F238E27FC236}">
+                <a16:creationId xmlns:a16="http://schemas.microsoft.com/office/drawing/2014/main" id="{124D1AC2-C306-3580-9E3C-0CB4F302B2FB}"/>
+              </a:ext>
+            </a:extLst>
+          </p:cNvPr>
+          <p:cNvPicPr>
+            <a:picLocks noChangeAspect="1" noChangeArrowheads="1"/>
+          </p:cNvPicPr>
+          <p:nvPr/>
+        </p:nvPicPr>
+        <p:blipFill>
+          <a:blip r:embed="rId2">
+            <a:extLst>
+              <a:ext uri="{28A0092B-C50C-407E-A947-70E740481C1C}">
+                <a14:useLocalDpi xmlns:a14="http://schemas.microsoft.com/office/drawing/2010/main" val="0"/>
+              </a:ext>
+            </a:extLst>
+          </a:blip>
+          <a:srcRect/>
+          <a:stretch>
+            <a:fillRect/>
+          </a:stretch>
+        </p:blipFill>
+        <p:spPr bwMode="auto">
+          <a:xfrm>
+            <a:off x="437506" y="992188"/>
+            <a:ext cx="7819725" cy="5865812"/>
+          </a:xfrm>
+          <a:prstGeom prst="rect">
+            <a:avLst/>
+          </a:prstGeom>
+          <a:noFill/>
+          <a:extLst>
+            <a:ext uri="{909E8E84-426E-40DD-AFC4-6F175D3DCCD1}">
+              <a14:hiddenFill xmlns:a14="http://schemas.microsoft.com/office/drawing/2010/main">
+                <a:solidFill>
+                  <a:srgbClr val="FFFFFF"/>
+                </a:solidFill>
+              </a14:hiddenFill>
+            </a:ext>
+          </a:extLst>
+        </p:spPr>
+      </p:pic>
+    </p:spTree>
+    <p:extLst>
+      <p:ext uri="{BB962C8B-B14F-4D97-AF65-F5344CB8AC3E}">
+        <p14:creationId xmlns:p14="http://schemas.microsoft.com/office/powerpoint/2010/main" val="1460591034"/>
+      </p:ext>
+    </p:extLst>
+  </p:cSld>
+  <p:clrMapOvr>
+    <a:masterClrMapping/>
+  </p:clrMapOvr>
+</p:sld>
+</file>
+
+<file path=ppt/slides/slide25.xml><?xml version="1.0" encoding="utf-8"?>
+<p:sld xmlns:a="http://schemas.openxmlformats.org/drawingml/2006/main" xmlns:r="http://schemas.openxmlformats.org/officeDocument/2006/relationships" xmlns:p="http://schemas.openxmlformats.org/presentationml/2006/main">
+  <p:cSld>
+    <p:spTree>
+      <p:nvGrpSpPr>
+        <p:cNvPr id="1" name=""/>
+        <p:cNvGrpSpPr/>
+        <p:nvPr/>
+      </p:nvGrpSpPr>
+      <p:grpSpPr>
+        <a:xfrm>
+          <a:off x="0" y="0"/>
+          <a:ext cx="0" cy="0"/>
+          <a:chOff x="0" y="0"/>
+          <a:chExt cx="0" cy="0"/>
+        </a:xfrm>
+      </p:grpSpPr>
+      <p:sp>
+        <p:nvSpPr>
+          <p:cNvPr id="2" name="Title 1">
+            <a:extLst>
+              <a:ext uri="{FF2B5EF4-FFF2-40B4-BE49-F238E27FC236}">
+                <a16:creationId xmlns:a16="http://schemas.microsoft.com/office/drawing/2014/main" id="{659FFDCD-4905-664C-BF76-CB3580FBC996}"/>
+              </a:ext>
+            </a:extLst>
+          </p:cNvPr>
+          <p:cNvSpPr>
+            <a:spLocks noGrp="1"/>
+          </p:cNvSpPr>
+          <p:nvPr>
+            <p:ph type="title"/>
+          </p:nvPr>
+        </p:nvSpPr>
+        <p:spPr/>
+        <p:txBody>
+          <a:bodyPr/>
+          <a:lstStyle/>
+          <a:p>
+            <a:r>
+              <a:rPr lang="en-US" dirty="0"/>
+              <a:t>Binary Tree Node</a:t>
+            </a:r>
+          </a:p>
+        </p:txBody>
+      </p:sp>
+      <p:sp>
+        <p:nvSpPr>
+          <p:cNvPr id="3" name="Content Placeholder 2">
+            <a:extLst>
+              <a:ext uri="{FF2B5EF4-FFF2-40B4-BE49-F238E27FC236}">
+                <a16:creationId xmlns:a16="http://schemas.microsoft.com/office/drawing/2014/main" id="{AD52673E-A15E-5D52-BFEB-60A3C97FF1D0}"/>
+              </a:ext>
+            </a:extLst>
+          </p:cNvPr>
+          <p:cNvSpPr>
+            <a:spLocks noGrp="1"/>
+          </p:cNvSpPr>
+          <p:nvPr>
+            <p:ph sz="half" idx="1"/>
+          </p:nvPr>
+        </p:nvSpPr>
+        <p:spPr/>
+        <p:txBody>
+          <a:bodyPr/>
+          <a:lstStyle/>
+          <a:p>
+            <a:r>
+              <a:rPr lang="en-US" sz="2400" dirty="0"/>
+              <a:t>Basic element of Binary Tree</a:t>
+            </a:r>
+          </a:p>
+          <a:p>
+            <a:r>
+              <a:rPr lang="en-US" sz="2400" dirty="0"/>
+              <a:t>Needs to be included in solutions to Binary Tree problems</a:t>
+            </a:r>
+          </a:p>
+        </p:txBody>
+      </p:sp>
+      <p:sp>
+        <p:nvSpPr>
+          <p:cNvPr id="8" name="TextBox 7">
+            <a:extLst>
+              <a:ext uri="{FF2B5EF4-FFF2-40B4-BE49-F238E27FC236}">
+                <a16:creationId xmlns:a16="http://schemas.microsoft.com/office/drawing/2014/main" id="{7272D709-CF77-DC31-C634-21E1BF8A9B21}"/>
+              </a:ext>
+            </a:extLst>
+          </p:cNvPr>
+          <p:cNvSpPr txBox="1"/>
+          <p:nvPr/>
+        </p:nvSpPr>
+        <p:spPr>
+          <a:xfrm>
+            <a:off x="4410075" y="931653"/>
+            <a:ext cx="3199915" cy="3416320"/>
+          </a:xfrm>
+          <a:prstGeom prst="rect">
+            <a:avLst/>
+          </a:prstGeom>
+          <a:noFill/>
+        </p:spPr>
+        <p:txBody>
+          <a:bodyPr wrap="none" rtlCol="0">
+            <a:spAutoFit/>
+          </a:bodyPr>
+          <a:lstStyle/>
+          <a:p>
+            <a:r>
+              <a:rPr lang="en-US" b="0" dirty="0"/>
+              <a:t>class Node {</a:t>
+            </a:r>
+          </a:p>
+          <a:p>
+            <a:r>
+              <a:rPr lang="en-US" b="0" dirty="0"/>
+              <a:t>    public &lt;T&gt; data;</a:t>
+            </a:r>
+          </a:p>
+          <a:p>
+            <a:r>
+              <a:rPr lang="en-US" b="0" dirty="0"/>
+              <a:t>    public Node left; </a:t>
+            </a:r>
+          </a:p>
+          <a:p>
+            <a:r>
+              <a:rPr lang="en-US" b="0" dirty="0"/>
+              <a:t>    public Node right;</a:t>
+            </a:r>
+          </a:p>
+          <a:p>
+            <a:endParaRPr lang="en-US" b="0" dirty="0"/>
+          </a:p>
+          <a:p>
+            <a:r>
+              <a:rPr lang="en-US" b="0" dirty="0"/>
+              <a:t>    public Node(&lt;T&gt; item)</a:t>
+            </a:r>
+          </a:p>
+          <a:p>
+            <a:r>
+              <a:rPr lang="en-US" b="0" dirty="0"/>
+              <a:t>    {</a:t>
+            </a:r>
+          </a:p>
+          <a:p>
+            <a:r>
+              <a:rPr lang="en-US" b="0" dirty="0"/>
+              <a:t>        data = item;</a:t>
+            </a:r>
+          </a:p>
+          <a:p>
+            <a:r>
+              <a:rPr lang="en-US" b="0" dirty="0"/>
+              <a:t>        left = null;</a:t>
+            </a:r>
+          </a:p>
+          <a:p>
+            <a:r>
+              <a:rPr lang="en-US" b="0" dirty="0"/>
+              <a:t>        right = null;</a:t>
+            </a:r>
+          </a:p>
+          <a:p>
+            <a:r>
+              <a:rPr lang="en-US" b="0" dirty="0"/>
+              <a:t>    }</a:t>
+            </a:r>
+          </a:p>
+          <a:p>
+            <a:r>
+              <a:rPr lang="en-US" b="0" dirty="0"/>
+              <a:t>}</a:t>
             </a:r>
           </a:p>
         </p:txBody>
@@ -11807,7 +14808,7 @@
 </p:sld>
 </file>
 
-<file path=ppt/slides/slide19.xml><?xml version="1.0" encoding="utf-8"?>
+<file path=ppt/slides/slide26.xml><?xml version="1.0" encoding="utf-8"?>
 <p:sld xmlns:a="http://schemas.openxmlformats.org/drawingml/2006/main" xmlns:r="http://schemas.openxmlformats.org/officeDocument/2006/relationships" xmlns:p="http://schemas.openxmlformats.org/presentationml/2006/main">
   <p:cSld>
     <p:spTree>
@@ -12596,140 +15597,7 @@
 </p:sld>
 </file>
 
-<file path=ppt/slides/slide2.xml><?xml version="1.0" encoding="utf-8"?>
-<p:sld xmlns:a="http://schemas.openxmlformats.org/drawingml/2006/main" xmlns:r="http://schemas.openxmlformats.org/officeDocument/2006/relationships" xmlns:p="http://schemas.openxmlformats.org/presentationml/2006/main">
-  <p:cSld>
-    <p:spTree>
-      <p:nvGrpSpPr>
-        <p:cNvPr id="1" name=""/>
-        <p:cNvGrpSpPr/>
-        <p:nvPr/>
-      </p:nvGrpSpPr>
-      <p:grpSpPr>
-        <a:xfrm>
-          <a:off x="0" y="0"/>
-          <a:ext cx="0" cy="0"/>
-          <a:chOff x="0" y="0"/>
-          <a:chExt cx="0" cy="0"/>
-        </a:xfrm>
-      </p:grpSpPr>
-      <p:sp>
-        <p:nvSpPr>
-          <p:cNvPr id="2" name="Title 1">
-            <a:extLst>
-              <a:ext uri="{FF2B5EF4-FFF2-40B4-BE49-F238E27FC236}">
-                <a16:creationId xmlns:a16="http://schemas.microsoft.com/office/drawing/2014/main" id="{C62A0820-4650-E0F8-8FA3-40BD926980CE}"/>
-              </a:ext>
-            </a:extLst>
-          </p:cNvPr>
-          <p:cNvSpPr>
-            <a:spLocks noGrp="1"/>
-          </p:cNvSpPr>
-          <p:nvPr>
-            <p:ph type="title"/>
-          </p:nvPr>
-        </p:nvSpPr>
-        <p:spPr/>
-        <p:txBody>
-          <a:bodyPr/>
-          <a:lstStyle/>
-          <a:p>
-            <a:r>
-              <a:rPr lang="en-US" dirty="0"/>
-              <a:t>Program Structure</a:t>
-            </a:r>
-          </a:p>
-        </p:txBody>
-      </p:sp>
-      <p:sp>
-        <p:nvSpPr>
-          <p:cNvPr id="3" name="Content Placeholder 2">
-            <a:extLst>
-              <a:ext uri="{FF2B5EF4-FFF2-40B4-BE49-F238E27FC236}">
-                <a16:creationId xmlns:a16="http://schemas.microsoft.com/office/drawing/2014/main" id="{16C2192D-530B-2D7B-25F8-789B9C7B742B}"/>
-              </a:ext>
-            </a:extLst>
-          </p:cNvPr>
-          <p:cNvSpPr>
-            <a:spLocks noGrp="1"/>
-          </p:cNvSpPr>
-          <p:nvPr>
-            <p:ph idx="1"/>
-          </p:nvPr>
-        </p:nvSpPr>
-        <p:spPr/>
-        <p:txBody>
-          <a:bodyPr/>
-          <a:lstStyle/>
-          <a:p>
-            <a:r>
-              <a:rPr lang="en-US" dirty="0"/>
-              <a:t>Usually a Console App</a:t>
-            </a:r>
-          </a:p>
-          <a:p>
-            <a:pPr lvl="1"/>
-            <a:r>
-              <a:rPr lang="en-US" dirty="0"/>
-              <a:t>Look at problem statement for clues</a:t>
-            </a:r>
-            <a:br>
-              <a:rPr lang="en-US" dirty="0"/>
-            </a:br>
-            <a:endParaRPr lang="en-US" dirty="0"/>
-          </a:p>
-          <a:p>
-            <a:r>
-              <a:rPr lang="en-US" dirty="0"/>
-              <a:t>Look for clues about required classes</a:t>
-            </a:r>
-            <a:br>
-              <a:rPr lang="en-US" dirty="0"/>
-            </a:br>
-            <a:endParaRPr lang="en-US" dirty="0"/>
-          </a:p>
-          <a:p>
-            <a:r>
-              <a:rPr lang="en-US" dirty="0"/>
-              <a:t>Look for clues about required Methods</a:t>
-            </a:r>
-            <a:br>
-              <a:rPr lang="en-US" dirty="0"/>
-            </a:br>
-            <a:endParaRPr lang="en-US" dirty="0"/>
-          </a:p>
-          <a:p>
-            <a:r>
-              <a:rPr lang="en-US" dirty="0"/>
-              <a:t>If Method is not specified, use them to simplify understanding of code</a:t>
-            </a:r>
-          </a:p>
-          <a:p>
-            <a:pPr lvl="1"/>
-            <a:r>
-              <a:rPr lang="en-US" dirty="0"/>
-              <a:t>Use meaningful names</a:t>
-            </a:r>
-          </a:p>
-          <a:p>
-            <a:endParaRPr lang="en-US" dirty="0"/>
-          </a:p>
-        </p:txBody>
-      </p:sp>
-    </p:spTree>
-    <p:extLst>
-      <p:ext uri="{BB962C8B-B14F-4D97-AF65-F5344CB8AC3E}">
-        <p14:creationId xmlns:p14="http://schemas.microsoft.com/office/powerpoint/2010/main" val="3353650477"/>
-      </p:ext>
-    </p:extLst>
-  </p:cSld>
-  <p:clrMapOvr>
-    <a:masterClrMapping/>
-  </p:clrMapOvr>
-</p:sld>
-</file>
-
-<file path=ppt/slides/slide20.xml><?xml version="1.0" encoding="utf-8"?>
+<file path=ppt/slides/slide27.xml><?xml version="1.0" encoding="utf-8"?>
 <p:sld xmlns:a="http://schemas.openxmlformats.org/drawingml/2006/main" xmlns:r="http://schemas.openxmlformats.org/officeDocument/2006/relationships" xmlns:p="http://schemas.openxmlformats.org/presentationml/2006/main">
   <p:cSld>
     <p:spTree>
@@ -12834,7 +15702,7 @@
 </p:sld>
 </file>
 
-<file path=ppt/slides/slide21.xml><?xml version="1.0" encoding="utf-8"?>
+<file path=ppt/slides/slide28.xml><?xml version="1.0" encoding="utf-8"?>
 <p:sld xmlns:a="http://schemas.openxmlformats.org/drawingml/2006/main" xmlns:r="http://schemas.openxmlformats.org/officeDocument/2006/relationships" xmlns:p="http://schemas.openxmlformats.org/presentationml/2006/main">
   <p:cSld>
     <p:spTree>
@@ -12939,7 +15807,7 @@
 </p:sld>
 </file>
 
-<file path=ppt/slides/slide22.xml><?xml version="1.0" encoding="utf-8"?>
+<file path=ppt/slides/slide29.xml><?xml version="1.0" encoding="utf-8"?>
 <p:sld xmlns:a="http://schemas.openxmlformats.org/drawingml/2006/main" xmlns:r="http://schemas.openxmlformats.org/officeDocument/2006/relationships" xmlns:p="http://schemas.openxmlformats.org/presentationml/2006/main">
   <p:cSld>
     <p:spTree>
@@ -13634,7 +16502,113 @@
 </p:sld>
 </file>
 
-<file path=ppt/slides/slide23.xml><?xml version="1.0" encoding="utf-8"?>
+<file path=ppt/slides/slide3.xml><?xml version="1.0" encoding="utf-8"?>
+<p:sld xmlns:a="http://schemas.openxmlformats.org/drawingml/2006/main" xmlns:r="http://schemas.openxmlformats.org/officeDocument/2006/relationships" xmlns:p="http://schemas.openxmlformats.org/presentationml/2006/main">
+  <p:cSld>
+    <p:spTree>
+      <p:nvGrpSpPr>
+        <p:cNvPr id="1" name=""/>
+        <p:cNvGrpSpPr/>
+        <p:nvPr/>
+      </p:nvGrpSpPr>
+      <p:grpSpPr>
+        <a:xfrm>
+          <a:off x="0" y="0"/>
+          <a:ext cx="0" cy="0"/>
+          <a:chOff x="0" y="0"/>
+          <a:chExt cx="0" cy="0"/>
+        </a:xfrm>
+      </p:grpSpPr>
+      <p:sp>
+        <p:nvSpPr>
+          <p:cNvPr id="2" name="Title 1">
+            <a:extLst>
+              <a:ext uri="{FF2B5EF4-FFF2-40B4-BE49-F238E27FC236}">
+                <a16:creationId xmlns:a16="http://schemas.microsoft.com/office/drawing/2014/main" id="{C62A0820-4650-E0F8-8FA3-40BD926980CE}"/>
+              </a:ext>
+            </a:extLst>
+          </p:cNvPr>
+          <p:cNvSpPr>
+            <a:spLocks noGrp="1"/>
+          </p:cNvSpPr>
+          <p:nvPr>
+            <p:ph type="title"/>
+          </p:nvPr>
+        </p:nvSpPr>
+        <p:spPr/>
+        <p:txBody>
+          <a:bodyPr/>
+          <a:lstStyle/>
+          <a:p>
+            <a:r>
+              <a:rPr lang="en-US" dirty="0"/>
+              <a:t>User Interface</a:t>
+            </a:r>
+          </a:p>
+        </p:txBody>
+      </p:sp>
+      <p:sp>
+        <p:nvSpPr>
+          <p:cNvPr id="3" name="Content Placeholder 2">
+            <a:extLst>
+              <a:ext uri="{FF2B5EF4-FFF2-40B4-BE49-F238E27FC236}">
+                <a16:creationId xmlns:a16="http://schemas.microsoft.com/office/drawing/2014/main" id="{16C2192D-530B-2D7B-25F8-789B9C7B742B}"/>
+              </a:ext>
+            </a:extLst>
+          </p:cNvPr>
+          <p:cNvSpPr>
+            <a:spLocks noGrp="1"/>
+          </p:cNvSpPr>
+          <p:nvPr>
+            <p:ph idx="1"/>
+          </p:nvPr>
+        </p:nvSpPr>
+        <p:spPr/>
+        <p:txBody>
+          <a:bodyPr/>
+          <a:lstStyle/>
+          <a:p>
+            <a:r>
+              <a:rPr lang="en-US" dirty="0"/>
+              <a:t>Usually not a part of solution</a:t>
+            </a:r>
+          </a:p>
+          <a:p>
+            <a:pPr lvl="1"/>
+            <a:r>
+              <a:rPr lang="en-US" dirty="0"/>
+              <a:t>Hard-coded input in Main method is usually acceptable</a:t>
+            </a:r>
+            <a:br>
+              <a:rPr lang="en-US" dirty="0"/>
+            </a:br>
+            <a:endParaRPr lang="en-US" dirty="0"/>
+          </a:p>
+          <a:p>
+            <a:r>
+              <a:rPr lang="en-US" dirty="0"/>
+              <a:t>Look at problem statement for clues</a:t>
+            </a:r>
+          </a:p>
+          <a:p>
+            <a:endParaRPr lang="en-US" dirty="0"/>
+          </a:p>
+        </p:txBody>
+      </p:sp>
+    </p:spTree>
+    <p:extLst>
+      <p:ext uri="{BB962C8B-B14F-4D97-AF65-F5344CB8AC3E}">
+        <p14:creationId xmlns:p14="http://schemas.microsoft.com/office/powerpoint/2010/main" val="2281491950"/>
+      </p:ext>
+    </p:extLst>
+  </p:cSld>
+  <p:clrMapOvr>
+    <a:masterClrMapping/>
+  </p:clrMapOvr>
+</p:sld>
+</file>
+
+<file path=ppt/slides/slide30.xml><?xml version="1.0" encoding="utf-8"?>
 <p:sld xmlns:a="http://schemas.openxmlformats.org/drawingml/2006/main" xmlns:r="http://schemas.openxmlformats.org/officeDocument/2006/relationships" xmlns:p="http://schemas.openxmlformats.org/presentationml/2006/main">
   <p:cSld>
     <p:spTree>
@@ -14751,7 +17725,7 @@
 </p:sld>
 </file>
 
-<file path=ppt/slides/slide24.xml><?xml version="1.0" encoding="utf-8"?>
+<file path=ppt/slides/slide31.xml><?xml version="1.0" encoding="utf-8"?>
 <p:sld xmlns:a="http://schemas.openxmlformats.org/drawingml/2006/main" xmlns:r="http://schemas.openxmlformats.org/officeDocument/2006/relationships" xmlns:p="http://schemas.openxmlformats.org/presentationml/2006/main">
   <p:cSld>
     <p:spTree>
@@ -15415,7 +18389,7 @@
 </p:sld>
 </file>
 
-<file path=ppt/slides/slide25.xml><?xml version="1.0" encoding="utf-8"?>
+<file path=ppt/slides/slide32.xml><?xml version="1.0" encoding="utf-8"?>
 <p:sld xmlns:a="http://schemas.openxmlformats.org/drawingml/2006/main" xmlns:r="http://schemas.openxmlformats.org/officeDocument/2006/relationships" xmlns:p="http://schemas.openxmlformats.org/presentationml/2006/main">
   <p:cSld>
     <p:spTree>
@@ -17140,7 +20114,7 @@
 </p:sld>
 </file>
 
-<file path=ppt/slides/slide26.xml><?xml version="1.0" encoding="utf-8"?>
+<file path=ppt/slides/slide33.xml><?xml version="1.0" encoding="utf-8"?>
 <p:sld xmlns:a="http://schemas.openxmlformats.org/drawingml/2006/main" xmlns:r="http://schemas.openxmlformats.org/officeDocument/2006/relationships" xmlns:p="http://schemas.openxmlformats.org/presentationml/2006/main">
   <p:cSld>
     <p:spTree>
@@ -19439,7 +22413,7 @@
 </p:sld>
 </file>
 
-<file path=ppt/slides/slide27.xml><?xml version="1.0" encoding="utf-8"?>
+<file path=ppt/slides/slide34.xml><?xml version="1.0" encoding="utf-8"?>
 <p:sld xmlns:a="http://schemas.openxmlformats.org/drawingml/2006/main" xmlns:r="http://schemas.openxmlformats.org/officeDocument/2006/relationships" xmlns:p="http://schemas.openxmlformats.org/presentationml/2006/main">
   <p:cSld>
     <p:spTree>
@@ -20359,7 +23333,7 @@
 </p:sld>
 </file>
 
-<file path=ppt/slides/slide28.xml><?xml version="1.0" encoding="utf-8"?>
+<file path=ppt/slides/slide35.xml><?xml version="1.0" encoding="utf-8"?>
 <p:sld xmlns:a="http://schemas.openxmlformats.org/drawingml/2006/main" xmlns:r="http://schemas.openxmlformats.org/officeDocument/2006/relationships" xmlns:p="http://schemas.openxmlformats.org/presentationml/2006/main">
   <p:cSld>
     <p:spTree>
@@ -21993,7 +24967,7 @@
 </p:sld>
 </file>
 
-<file path=ppt/slides/slide29.xml><?xml version="1.0" encoding="utf-8"?>
+<file path=ppt/slides/slide36.xml><?xml version="1.0" encoding="utf-8"?>
 <p:sld xmlns:a="http://schemas.openxmlformats.org/drawingml/2006/main" xmlns:r="http://schemas.openxmlformats.org/officeDocument/2006/relationships" xmlns:p="http://schemas.openxmlformats.org/presentationml/2006/main">
   <p:cSld>
     <p:spTree>
@@ -22193,113 +25167,7 @@
 </p:sld>
 </file>
 
-<file path=ppt/slides/slide3.xml><?xml version="1.0" encoding="utf-8"?>
-<p:sld xmlns:a="http://schemas.openxmlformats.org/drawingml/2006/main" xmlns:r="http://schemas.openxmlformats.org/officeDocument/2006/relationships" xmlns:p="http://schemas.openxmlformats.org/presentationml/2006/main">
-  <p:cSld>
-    <p:spTree>
-      <p:nvGrpSpPr>
-        <p:cNvPr id="1" name=""/>
-        <p:cNvGrpSpPr/>
-        <p:nvPr/>
-      </p:nvGrpSpPr>
-      <p:grpSpPr>
-        <a:xfrm>
-          <a:off x="0" y="0"/>
-          <a:ext cx="0" cy="0"/>
-          <a:chOff x="0" y="0"/>
-          <a:chExt cx="0" cy="0"/>
-        </a:xfrm>
-      </p:grpSpPr>
-      <p:sp>
-        <p:nvSpPr>
-          <p:cNvPr id="2" name="Title 1">
-            <a:extLst>
-              <a:ext uri="{FF2B5EF4-FFF2-40B4-BE49-F238E27FC236}">
-                <a16:creationId xmlns:a16="http://schemas.microsoft.com/office/drawing/2014/main" id="{C62A0820-4650-E0F8-8FA3-40BD926980CE}"/>
-              </a:ext>
-            </a:extLst>
-          </p:cNvPr>
-          <p:cNvSpPr>
-            <a:spLocks noGrp="1"/>
-          </p:cNvSpPr>
-          <p:nvPr>
-            <p:ph type="title"/>
-          </p:nvPr>
-        </p:nvSpPr>
-        <p:spPr/>
-        <p:txBody>
-          <a:bodyPr/>
-          <a:lstStyle/>
-          <a:p>
-            <a:r>
-              <a:rPr lang="en-US" dirty="0"/>
-              <a:t>User Interface</a:t>
-            </a:r>
-          </a:p>
-        </p:txBody>
-      </p:sp>
-      <p:sp>
-        <p:nvSpPr>
-          <p:cNvPr id="3" name="Content Placeholder 2">
-            <a:extLst>
-              <a:ext uri="{FF2B5EF4-FFF2-40B4-BE49-F238E27FC236}">
-                <a16:creationId xmlns:a16="http://schemas.microsoft.com/office/drawing/2014/main" id="{16C2192D-530B-2D7B-25F8-789B9C7B742B}"/>
-              </a:ext>
-            </a:extLst>
-          </p:cNvPr>
-          <p:cNvSpPr>
-            <a:spLocks noGrp="1"/>
-          </p:cNvSpPr>
-          <p:nvPr>
-            <p:ph idx="1"/>
-          </p:nvPr>
-        </p:nvSpPr>
-        <p:spPr/>
-        <p:txBody>
-          <a:bodyPr/>
-          <a:lstStyle/>
-          <a:p>
-            <a:r>
-              <a:rPr lang="en-US" dirty="0"/>
-              <a:t>Usually not a part of solution</a:t>
-            </a:r>
-          </a:p>
-          <a:p>
-            <a:pPr lvl="1"/>
-            <a:r>
-              <a:rPr lang="en-US" dirty="0"/>
-              <a:t>Hard-coded input in Main method is usually acceptable</a:t>
-            </a:r>
-            <a:br>
-              <a:rPr lang="en-US" dirty="0"/>
-            </a:br>
-            <a:endParaRPr lang="en-US" dirty="0"/>
-          </a:p>
-          <a:p>
-            <a:r>
-              <a:rPr lang="en-US" dirty="0"/>
-              <a:t>Look at problem statement for clues</a:t>
-            </a:r>
-          </a:p>
-          <a:p>
-            <a:endParaRPr lang="en-US" dirty="0"/>
-          </a:p>
-        </p:txBody>
-      </p:sp>
-    </p:spTree>
-    <p:extLst>
-      <p:ext uri="{BB962C8B-B14F-4D97-AF65-F5344CB8AC3E}">
-        <p14:creationId xmlns:p14="http://schemas.microsoft.com/office/powerpoint/2010/main" val="2281491950"/>
-      </p:ext>
-    </p:extLst>
-  </p:cSld>
-  <p:clrMapOvr>
-    <a:masterClrMapping/>
-  </p:clrMapOvr>
-</p:sld>
-</file>
-
-<file path=ppt/slides/slide30.xml><?xml version="1.0" encoding="utf-8"?>
+<file path=ppt/slides/slide37.xml><?xml version="1.0" encoding="utf-8"?>
 <p:sld xmlns:a="http://schemas.openxmlformats.org/drawingml/2006/main" xmlns:r="http://schemas.openxmlformats.org/officeDocument/2006/relationships" xmlns:p="http://schemas.openxmlformats.org/presentationml/2006/main">
   <p:cSld>
     <p:spTree>
@@ -23238,7 +26106,7 @@
 </p:sld>
 </file>
 
-<file path=ppt/slides/slide31.xml><?xml version="1.0" encoding="utf-8"?>
+<file path=ppt/slides/slide38.xml><?xml version="1.0" encoding="utf-8"?>
 <p:sld xmlns:a="http://schemas.openxmlformats.org/drawingml/2006/main" xmlns:r="http://schemas.openxmlformats.org/officeDocument/2006/relationships" xmlns:p="http://schemas.openxmlformats.org/presentationml/2006/main">
   <p:cSld>
     <p:spTree>
@@ -23563,7 +26431,7 @@
 </p:sld>
 </file>
 
-<file path=ppt/slides/slide32.xml><?xml version="1.0" encoding="utf-8"?>
+<file path=ppt/slides/slide39.xml><?xml version="1.0" encoding="utf-8"?>
 <p:sld xmlns:a="http://schemas.openxmlformats.org/drawingml/2006/main" xmlns:r="http://schemas.openxmlformats.org/officeDocument/2006/relationships" xmlns:p="http://schemas.openxmlformats.org/presentationml/2006/main">
   <p:cSld>
     <p:spTree>
@@ -24264,7 +27132,7 @@
 </p:sld>
 </file>
 
-<file path=ppt/slides/slide33.xml><?xml version="1.0" encoding="utf-8"?>
+<file path=ppt/slides/slide4.xml><?xml version="1.0" encoding="utf-8"?>
 <p:sld xmlns:a="http://schemas.openxmlformats.org/drawingml/2006/main" xmlns:r="http://schemas.openxmlformats.org/officeDocument/2006/relationships" xmlns:p="http://schemas.openxmlformats.org/presentationml/2006/main">
   <p:cSld>
     <p:spTree>
@@ -24286,6 +27154,143 @@
           <p:cNvPr id="2" name="Title 1">
             <a:extLst>
               <a:ext uri="{FF2B5EF4-FFF2-40B4-BE49-F238E27FC236}">
+                <a16:creationId xmlns:a16="http://schemas.microsoft.com/office/drawing/2014/main" id="{C62A0820-4650-E0F8-8FA3-40BD926980CE}"/>
+              </a:ext>
+            </a:extLst>
+          </p:cNvPr>
+          <p:cNvSpPr>
+            <a:spLocks noGrp="1"/>
+          </p:cNvSpPr>
+          <p:nvPr>
+            <p:ph type="title"/>
+          </p:nvPr>
+        </p:nvSpPr>
+        <p:spPr/>
+        <p:txBody>
+          <a:bodyPr/>
+          <a:lstStyle/>
+          <a:p>
+            <a:r>
+              <a:rPr lang="en-US" dirty="0"/>
+              <a:t>How to represent data</a:t>
+            </a:r>
+          </a:p>
+        </p:txBody>
+      </p:sp>
+      <p:sp>
+        <p:nvSpPr>
+          <p:cNvPr id="3" name="Content Placeholder 2">
+            <a:extLst>
+              <a:ext uri="{FF2B5EF4-FFF2-40B4-BE49-F238E27FC236}">
+                <a16:creationId xmlns:a16="http://schemas.microsoft.com/office/drawing/2014/main" id="{16C2192D-530B-2D7B-25F8-789B9C7B742B}"/>
+              </a:ext>
+            </a:extLst>
+          </p:cNvPr>
+          <p:cNvSpPr>
+            <a:spLocks noGrp="1"/>
+          </p:cNvSpPr>
+          <p:nvPr>
+            <p:ph idx="1"/>
+          </p:nvPr>
+        </p:nvSpPr>
+        <p:spPr/>
+        <p:txBody>
+          <a:bodyPr/>
+          <a:lstStyle/>
+          <a:p>
+            <a:r>
+              <a:rPr lang="en-US" dirty="0"/>
+              <a:t>If the problem specifies a data structure, use that structure</a:t>
+            </a:r>
+          </a:p>
+          <a:p>
+            <a:pPr lvl="1"/>
+            <a:r>
+              <a:rPr lang="en-US" dirty="0"/>
+              <a:t>Look for keywords such as “given”, “return”, “ordered”, “array”, “Keep track of count” – implies Dictionary, “list”, “tree”</a:t>
+            </a:r>
+          </a:p>
+          <a:p>
+            <a:r>
+              <a:rPr lang="en-US" dirty="0"/>
+              <a:t>If no keywords:</a:t>
+            </a:r>
+          </a:p>
+          <a:p>
+            <a:pPr lvl="1"/>
+            <a:r>
+              <a:rPr lang="en-US" dirty="0"/>
+              <a:t>Array is most common default choice</a:t>
+            </a:r>
+          </a:p>
+          <a:p>
+            <a:pPr lvl="1"/>
+            <a:r>
+              <a:rPr lang="en-US" dirty="0"/>
+              <a:t>Use an array unless you believe another DS (e.g. Dictionary) has specific advantages</a:t>
+            </a:r>
+            <a:br>
+              <a:rPr lang="en-US" dirty="0"/>
+            </a:br>
+            <a:endParaRPr lang="en-US" dirty="0"/>
+          </a:p>
+          <a:p>
+            <a:r>
+              <a:rPr lang="en-US" dirty="0"/>
+              <a:t>Be aware of Space Complexity</a:t>
+            </a:r>
+          </a:p>
+          <a:p>
+            <a:pPr lvl="1"/>
+            <a:r>
+              <a:rPr lang="en-US" dirty="0"/>
+              <a:t>Smaller is better</a:t>
+            </a:r>
+            <a:br>
+              <a:rPr lang="en-US" dirty="0"/>
+            </a:br>
+            <a:endParaRPr lang="en-US" dirty="0"/>
+          </a:p>
+          <a:p>
+            <a:endParaRPr lang="en-US" dirty="0"/>
+          </a:p>
+        </p:txBody>
+      </p:sp>
+    </p:spTree>
+    <p:extLst>
+      <p:ext uri="{BB962C8B-B14F-4D97-AF65-F5344CB8AC3E}">
+        <p14:creationId xmlns:p14="http://schemas.microsoft.com/office/powerpoint/2010/main" val="687062839"/>
+      </p:ext>
+    </p:extLst>
+  </p:cSld>
+  <p:clrMapOvr>
+    <a:masterClrMapping/>
+  </p:clrMapOvr>
+</p:sld>
+</file>
+
+<file path=ppt/slides/slide40.xml><?xml version="1.0" encoding="utf-8"?>
+<p:sld xmlns:a="http://schemas.openxmlformats.org/drawingml/2006/main" xmlns:r="http://schemas.openxmlformats.org/officeDocument/2006/relationships" xmlns:p="http://schemas.openxmlformats.org/presentationml/2006/main">
+  <p:cSld>
+    <p:spTree>
+      <p:nvGrpSpPr>
+        <p:cNvPr id="1" name=""/>
+        <p:cNvGrpSpPr/>
+        <p:nvPr/>
+      </p:nvGrpSpPr>
+      <p:grpSpPr>
+        <a:xfrm>
+          <a:off x="0" y="0"/>
+          <a:ext cx="0" cy="0"/>
+          <a:chOff x="0" y="0"/>
+          <a:chExt cx="0" cy="0"/>
+        </a:xfrm>
+      </p:grpSpPr>
+      <p:sp>
+        <p:nvSpPr>
+          <p:cNvPr id="2" name="Title 1">
+            <a:extLst>
+              <a:ext uri="{FF2B5EF4-FFF2-40B4-BE49-F238E27FC236}">
                 <a16:creationId xmlns:a16="http://schemas.microsoft.com/office/drawing/2014/main" id="{7FFA689E-D9E7-5884-5663-70066D0898F4}"/>
               </a:ext>
             </a:extLst>
@@ -24448,7 +27453,7 @@
 </p:sld>
 </file>
 
-<file path=ppt/slides/slide34.xml><?xml version="1.0" encoding="utf-8"?>
+<file path=ppt/slides/slide41.xml><?xml version="1.0" encoding="utf-8"?>
 <p:sld xmlns:a="http://schemas.openxmlformats.org/drawingml/2006/main" xmlns:r="http://schemas.openxmlformats.org/officeDocument/2006/relationships" xmlns:p="http://schemas.openxmlformats.org/presentationml/2006/main">
   <p:cSld>
     <p:spTree>
@@ -25380,7 +28385,7 @@
 </p:sld>
 </file>
 
-<file path=ppt/slides/slide35.xml><?xml version="1.0" encoding="utf-8"?>
+<file path=ppt/slides/slide42.xml><?xml version="1.0" encoding="utf-8"?>
 <p:sld xmlns:a="http://schemas.openxmlformats.org/drawingml/2006/main" xmlns:r="http://schemas.openxmlformats.org/officeDocument/2006/relationships" xmlns:p="http://schemas.openxmlformats.org/presentationml/2006/main">
   <p:cSld>
     <p:spTree>
@@ -26828,7 +29833,7 @@
 </p:sld>
 </file>
 
-<file path=ppt/slides/slide36.xml><?xml version="1.0" encoding="utf-8"?>
+<file path=ppt/slides/slide43.xml><?xml version="1.0" encoding="utf-8"?>
 <p:sld xmlns:a="http://schemas.openxmlformats.org/drawingml/2006/main" xmlns:r="http://schemas.openxmlformats.org/officeDocument/2006/relationships" xmlns:p="http://schemas.openxmlformats.org/presentationml/2006/main">
   <p:cSld>
     <p:spTree>
@@ -27427,7 +30432,7 @@
 </p:sld>
 </file>
 
-<file path=ppt/slides/slide37.xml><?xml version="1.0" encoding="utf-8"?>
+<file path=ppt/slides/slide44.xml><?xml version="1.0" encoding="utf-8"?>
 <p:sld xmlns:a="http://schemas.openxmlformats.org/drawingml/2006/main" xmlns:r="http://schemas.openxmlformats.org/officeDocument/2006/relationships" xmlns:p="http://schemas.openxmlformats.org/presentationml/2006/main">
   <p:cSld>
     <p:spTree>
@@ -28649,7 +31654,7 @@
 </p:sld>
 </file>
 
-<file path=ppt/slides/slide38.xml><?xml version="1.0" encoding="utf-8"?>
+<file path=ppt/slides/slide45.xml><?xml version="1.0" encoding="utf-8"?>
 <p:sld xmlns:a="http://schemas.openxmlformats.org/drawingml/2006/main" xmlns:r="http://schemas.openxmlformats.org/officeDocument/2006/relationships" xmlns:p="http://schemas.openxmlformats.org/presentationml/2006/main">
   <p:cSld>
     <p:spTree>
@@ -29378,7 +32383,7 @@
 </p:sld>
 </file>
 
-<file path=ppt/slides/slide39.xml><?xml version="1.0" encoding="utf-8"?>
+<file path=ppt/slides/slide46.xml><?xml version="1.0" encoding="utf-8"?>
 <p:sld xmlns:a="http://schemas.openxmlformats.org/drawingml/2006/main" xmlns:r="http://schemas.openxmlformats.org/officeDocument/2006/relationships" xmlns:p="http://schemas.openxmlformats.org/presentationml/2006/main">
   <p:cSld>
     <p:spTree>
@@ -30807,144 +33812,7 @@
 </p:sld>
 </file>
 
-<file path=ppt/slides/slide4.xml><?xml version="1.0" encoding="utf-8"?>
-<p:sld xmlns:a="http://schemas.openxmlformats.org/drawingml/2006/main" xmlns:r="http://schemas.openxmlformats.org/officeDocument/2006/relationships" xmlns:p="http://schemas.openxmlformats.org/presentationml/2006/main">
-  <p:cSld>
-    <p:spTree>
-      <p:nvGrpSpPr>
-        <p:cNvPr id="1" name=""/>
-        <p:cNvGrpSpPr/>
-        <p:nvPr/>
-      </p:nvGrpSpPr>
-      <p:grpSpPr>
-        <a:xfrm>
-          <a:off x="0" y="0"/>
-          <a:ext cx="0" cy="0"/>
-          <a:chOff x="0" y="0"/>
-          <a:chExt cx="0" cy="0"/>
-        </a:xfrm>
-      </p:grpSpPr>
-      <p:sp>
-        <p:nvSpPr>
-          <p:cNvPr id="2" name="Title 1">
-            <a:extLst>
-              <a:ext uri="{FF2B5EF4-FFF2-40B4-BE49-F238E27FC236}">
-                <a16:creationId xmlns:a16="http://schemas.microsoft.com/office/drawing/2014/main" id="{C62A0820-4650-E0F8-8FA3-40BD926980CE}"/>
-              </a:ext>
-            </a:extLst>
-          </p:cNvPr>
-          <p:cNvSpPr>
-            <a:spLocks noGrp="1"/>
-          </p:cNvSpPr>
-          <p:nvPr>
-            <p:ph type="title"/>
-          </p:nvPr>
-        </p:nvSpPr>
-        <p:spPr/>
-        <p:txBody>
-          <a:bodyPr/>
-          <a:lstStyle/>
-          <a:p>
-            <a:r>
-              <a:rPr lang="en-US" dirty="0"/>
-              <a:t>How to represent data</a:t>
-            </a:r>
-          </a:p>
-        </p:txBody>
-      </p:sp>
-      <p:sp>
-        <p:nvSpPr>
-          <p:cNvPr id="3" name="Content Placeholder 2">
-            <a:extLst>
-              <a:ext uri="{FF2B5EF4-FFF2-40B4-BE49-F238E27FC236}">
-                <a16:creationId xmlns:a16="http://schemas.microsoft.com/office/drawing/2014/main" id="{16C2192D-530B-2D7B-25F8-789B9C7B742B}"/>
-              </a:ext>
-            </a:extLst>
-          </p:cNvPr>
-          <p:cNvSpPr>
-            <a:spLocks noGrp="1"/>
-          </p:cNvSpPr>
-          <p:nvPr>
-            <p:ph idx="1"/>
-          </p:nvPr>
-        </p:nvSpPr>
-        <p:spPr/>
-        <p:txBody>
-          <a:bodyPr/>
-          <a:lstStyle/>
-          <a:p>
-            <a:r>
-              <a:rPr lang="en-US" dirty="0"/>
-              <a:t>If the problem specifies a data structure, use that structure</a:t>
-            </a:r>
-          </a:p>
-          <a:p>
-            <a:pPr lvl="1"/>
-            <a:r>
-              <a:rPr lang="en-US" dirty="0"/>
-              <a:t>Look for keywords such as “given”, “return”, “ordered”, “array”, “Keep track of count” – implies Dictionary, “list”, “tree”</a:t>
-            </a:r>
-          </a:p>
-          <a:p>
-            <a:r>
-              <a:rPr lang="en-US" dirty="0"/>
-              <a:t>If no keywords:</a:t>
-            </a:r>
-          </a:p>
-          <a:p>
-            <a:pPr lvl="1"/>
-            <a:r>
-              <a:rPr lang="en-US" dirty="0"/>
-              <a:t>Array is most common default choice</a:t>
-            </a:r>
-          </a:p>
-          <a:p>
-            <a:pPr lvl="1"/>
-            <a:r>
-              <a:rPr lang="en-US" dirty="0"/>
-              <a:t>Use an array unless you believe another DS (e.g. Dictionary) has specific advantages</a:t>
-            </a:r>
-            <a:br>
-              <a:rPr lang="en-US" dirty="0"/>
-            </a:br>
-            <a:endParaRPr lang="en-US" dirty="0"/>
-          </a:p>
-          <a:p>
-            <a:r>
-              <a:rPr lang="en-US" dirty="0"/>
-              <a:t>Be aware of Space Complexity</a:t>
-            </a:r>
-          </a:p>
-          <a:p>
-            <a:pPr lvl="1"/>
-            <a:r>
-              <a:rPr lang="en-US" dirty="0"/>
-              <a:t>Smaller is better</a:t>
-            </a:r>
-            <a:br>
-              <a:rPr lang="en-US" dirty="0"/>
-            </a:br>
-            <a:endParaRPr lang="en-US" dirty="0"/>
-          </a:p>
-          <a:p>
-            <a:endParaRPr lang="en-US" dirty="0"/>
-          </a:p>
-        </p:txBody>
-      </p:sp>
-    </p:spTree>
-    <p:extLst>
-      <p:ext uri="{BB962C8B-B14F-4D97-AF65-F5344CB8AC3E}">
-        <p14:creationId xmlns:p14="http://schemas.microsoft.com/office/powerpoint/2010/main" val="687062839"/>
-      </p:ext>
-    </p:extLst>
-  </p:cSld>
-  <p:clrMapOvr>
-    <a:masterClrMapping/>
-  </p:clrMapOvr>
-</p:sld>
-</file>
-
-<file path=ppt/slides/slide40.xml><?xml version="1.0" encoding="utf-8"?>
+<file path=ppt/slides/slide47.xml><?xml version="1.0" encoding="utf-8"?>
 <p:sld xmlns:a="http://schemas.openxmlformats.org/drawingml/2006/main" xmlns:r="http://schemas.openxmlformats.org/officeDocument/2006/relationships" xmlns:p="http://schemas.openxmlformats.org/presentationml/2006/main">
   <p:cSld>
     <p:spTree>
@@ -32940,13 +35808,13 @@
           <a:lstStyle/>
           <a:p>
             <a:r>
-              <a:rPr lang="en-US" dirty="0"/>
+              <a:rPr lang="en-US" sz="2400" dirty="0"/>
               <a:t>Swaps position of elements in a linear DS</a:t>
             </a:r>
           </a:p>
           <a:p>
             <a:r>
-              <a:rPr lang="en-US" dirty="0"/>
+              <a:rPr lang="en-US" sz="2400" dirty="0"/>
               <a:t>Part of many (most?) solutions</a:t>
             </a:r>
           </a:p>
@@ -33123,6 +35991,16 @@
             <a:r>
               <a:rPr lang="en-US" sz="2400" dirty="0"/>
               <a:t>Swaps position of elements equally distant from center of array</a:t>
+            </a:r>
+            <a:br>
+              <a:rPr lang="en-US" sz="2400" dirty="0"/>
+            </a:br>
+            <a:endParaRPr lang="en-US" sz="2400" dirty="0"/>
+          </a:p>
+          <a:p>
+            <a:r>
+              <a:rPr lang="en-US" sz="2400" dirty="0"/>
+              <a:t>E.g. Reverse DS, Finding Palindromes, </a:t>
             </a:r>
           </a:p>
           <a:p>
